--- a/plan/0.시스템/forwork.pptx
+++ b/plan/0.시스템/forwork.pptx
@@ -6,6 +6,11 @@
   </p:sldMasterIdLst>
   <p:sldIdLst>
     <p:sldId id="256" r:id="rId2"/>
+    <p:sldId id="259" r:id="rId3"/>
+    <p:sldId id="260" r:id="rId4"/>
+    <p:sldId id="261" r:id="rId5"/>
+    <p:sldId id="257" r:id="rId6"/>
+    <p:sldId id="258" r:id="rId7"/>
   </p:sldIdLst>
   <p:sldSz cx="12192000" cy="6858000"/>
   <p:notesSz cx="6858000" cy="9144000"/>
@@ -254,7 +259,7 @@
           <a:p>
             <a:fld id="{2CDDD4F0-4385-CA49-8578-629ACA7B3AA3}" type="datetimeFigureOut">
               <a:rPr kumimoji="1" lang="ko-KR" altLang="en-US" smtClean="0"/>
-              <a:t>2016. 8. 4.</a:t>
+              <a:t>2016. 9. 4.</a:t>
             </a:fld>
             <a:endParaRPr kumimoji="1" lang="ko-KR" altLang="en-US"/>
           </a:p>
@@ -424,7 +429,7 @@
           <a:p>
             <a:fld id="{2CDDD4F0-4385-CA49-8578-629ACA7B3AA3}" type="datetimeFigureOut">
               <a:rPr kumimoji="1" lang="ko-KR" altLang="en-US" smtClean="0"/>
-              <a:t>2016. 8. 4.</a:t>
+              <a:t>2016. 9. 4.</a:t>
             </a:fld>
             <a:endParaRPr kumimoji="1" lang="ko-KR" altLang="en-US"/>
           </a:p>
@@ -604,7 +609,7 @@
           <a:p>
             <a:fld id="{2CDDD4F0-4385-CA49-8578-629ACA7B3AA3}" type="datetimeFigureOut">
               <a:rPr kumimoji="1" lang="ko-KR" altLang="en-US" smtClean="0"/>
-              <a:t>2016. 8. 4.</a:t>
+              <a:t>2016. 9. 4.</a:t>
             </a:fld>
             <a:endParaRPr kumimoji="1" lang="ko-KR" altLang="en-US"/>
           </a:p>
@@ -774,7 +779,7 @@
           <a:p>
             <a:fld id="{2CDDD4F0-4385-CA49-8578-629ACA7B3AA3}" type="datetimeFigureOut">
               <a:rPr kumimoji="1" lang="ko-KR" altLang="en-US" smtClean="0"/>
-              <a:t>2016. 8. 4.</a:t>
+              <a:t>2016. 9. 4.</a:t>
             </a:fld>
             <a:endParaRPr kumimoji="1" lang="ko-KR" altLang="en-US"/>
           </a:p>
@@ -1020,7 +1025,7 @@
           <a:p>
             <a:fld id="{2CDDD4F0-4385-CA49-8578-629ACA7B3AA3}" type="datetimeFigureOut">
               <a:rPr kumimoji="1" lang="ko-KR" altLang="en-US" smtClean="0"/>
-              <a:t>2016. 8. 4.</a:t>
+              <a:t>2016. 9. 4.</a:t>
             </a:fld>
             <a:endParaRPr kumimoji="1" lang="ko-KR" altLang="en-US"/>
           </a:p>
@@ -1252,7 +1257,7 @@
           <a:p>
             <a:fld id="{2CDDD4F0-4385-CA49-8578-629ACA7B3AA3}" type="datetimeFigureOut">
               <a:rPr kumimoji="1" lang="ko-KR" altLang="en-US" smtClean="0"/>
-              <a:t>2016. 8. 4.</a:t>
+              <a:t>2016. 9. 4.</a:t>
             </a:fld>
             <a:endParaRPr kumimoji="1" lang="ko-KR" altLang="en-US"/>
           </a:p>
@@ -1619,7 +1624,7 @@
           <a:p>
             <a:fld id="{2CDDD4F0-4385-CA49-8578-629ACA7B3AA3}" type="datetimeFigureOut">
               <a:rPr kumimoji="1" lang="ko-KR" altLang="en-US" smtClean="0"/>
-              <a:t>2016. 8. 4.</a:t>
+              <a:t>2016. 9. 4.</a:t>
             </a:fld>
             <a:endParaRPr kumimoji="1" lang="ko-KR" altLang="en-US"/>
           </a:p>
@@ -1737,7 +1742,7 @@
           <a:p>
             <a:fld id="{2CDDD4F0-4385-CA49-8578-629ACA7B3AA3}" type="datetimeFigureOut">
               <a:rPr kumimoji="1" lang="ko-KR" altLang="en-US" smtClean="0"/>
-              <a:t>2016. 8. 4.</a:t>
+              <a:t>2016. 9. 4.</a:t>
             </a:fld>
             <a:endParaRPr kumimoji="1" lang="ko-KR" altLang="en-US"/>
           </a:p>
@@ -1832,7 +1837,7 @@
           <a:p>
             <a:fld id="{2CDDD4F0-4385-CA49-8578-629ACA7B3AA3}" type="datetimeFigureOut">
               <a:rPr kumimoji="1" lang="ko-KR" altLang="en-US" smtClean="0"/>
-              <a:t>2016. 8. 4.</a:t>
+              <a:t>2016. 9. 4.</a:t>
             </a:fld>
             <a:endParaRPr kumimoji="1" lang="ko-KR" altLang="en-US"/>
           </a:p>
@@ -2109,7 +2114,7 @@
           <a:p>
             <a:fld id="{2CDDD4F0-4385-CA49-8578-629ACA7B3AA3}" type="datetimeFigureOut">
               <a:rPr kumimoji="1" lang="ko-KR" altLang="en-US" smtClean="0"/>
-              <a:t>2016. 8. 4.</a:t>
+              <a:t>2016. 9. 4.</a:t>
             </a:fld>
             <a:endParaRPr kumimoji="1" lang="ko-KR" altLang="en-US"/>
           </a:p>
@@ -2362,7 +2367,7 @@
           <a:p>
             <a:fld id="{2CDDD4F0-4385-CA49-8578-629ACA7B3AA3}" type="datetimeFigureOut">
               <a:rPr kumimoji="1" lang="ko-KR" altLang="en-US" smtClean="0"/>
-              <a:t>2016. 8. 4.</a:t>
+              <a:t>2016. 9. 4.</a:t>
             </a:fld>
             <a:endParaRPr kumimoji="1" lang="ko-KR" altLang="en-US"/>
           </a:p>
@@ -2575,7 +2580,7 @@
           <a:p>
             <a:fld id="{2CDDD4F0-4385-CA49-8578-629ACA7B3AA3}" type="datetimeFigureOut">
               <a:rPr kumimoji="1" lang="ko-KR" altLang="en-US" smtClean="0"/>
-              <a:t>2016. 8. 4.</a:t>
+              <a:t>2016. 9. 4.</a:t>
             </a:fld>
             <a:endParaRPr kumimoji="1" lang="ko-KR" altLang="en-US"/>
           </a:p>
@@ -3751,6 +3756,3768 @@
 </p:sld>
 </file>
 
+<file path=ppt/slides/slide2.xml><?xml version="1.0" encoding="utf-8"?>
+<p:sld xmlns:a="http://schemas.openxmlformats.org/drawingml/2006/main" xmlns:r="http://schemas.openxmlformats.org/officeDocument/2006/relationships" xmlns:p="http://schemas.openxmlformats.org/presentationml/2006/main">
+  <p:cSld>
+    <p:spTree>
+      <p:nvGrpSpPr>
+        <p:cNvPr id="1" name=""/>
+        <p:cNvGrpSpPr/>
+        <p:nvPr/>
+      </p:nvGrpSpPr>
+      <p:grpSpPr>
+        <a:xfrm>
+          <a:off x="0" y="0"/>
+          <a:ext cx="0" cy="0"/>
+          <a:chOff x="0" y="0"/>
+          <a:chExt cx="0" cy="0"/>
+        </a:xfrm>
+      </p:grpSpPr>
+      <p:sp>
+        <p:nvSpPr>
+          <p:cNvPr id="10" name="처리 9"/>
+          <p:cNvSpPr/>
+          <p:nvPr/>
+        </p:nvSpPr>
+        <p:spPr>
+          <a:xfrm>
+            <a:off x="6152826" y="829780"/>
+            <a:ext cx="4277532" cy="2865946"/>
+          </a:xfrm>
+          <a:prstGeom prst="flowChartProcess">
+            <a:avLst/>
+          </a:prstGeom>
+          <a:solidFill>
+            <a:schemeClr val="bg1"/>
+          </a:solidFill>
+          <a:ln w="38100">
+            <a:solidFill>
+              <a:schemeClr val="tx1"/>
+            </a:solidFill>
+          </a:ln>
+        </p:spPr>
+        <p:style>
+          <a:lnRef idx="2">
+            <a:schemeClr val="accent1">
+              <a:shade val="50000"/>
+            </a:schemeClr>
+          </a:lnRef>
+          <a:fillRef idx="1">
+            <a:schemeClr val="accent1"/>
+          </a:fillRef>
+          <a:effectRef idx="0">
+            <a:schemeClr val="accent1"/>
+          </a:effectRef>
+          <a:fontRef idx="minor">
+            <a:schemeClr val="lt1"/>
+          </a:fontRef>
+        </p:style>
+        <p:txBody>
+          <a:bodyPr rtlCol="0" anchor="t"/>
+          <a:lstStyle/>
+          <a:p>
+            <a:r>
+              <a:rPr kumimoji="1" lang="en-US" altLang="ko-KR" dirty="0" smtClean="0">
+                <a:solidFill>
+                  <a:schemeClr val="tx1"/>
+                </a:solidFill>
+              </a:rPr>
+              <a:t>Layer 1: </a:t>
+            </a:r>
+            <a:r>
+              <a:rPr kumimoji="1" lang="ko-KR" altLang="en-US" dirty="0" smtClean="0">
+                <a:solidFill>
+                  <a:schemeClr val="tx1"/>
+                </a:solidFill>
+              </a:rPr>
+              <a:t>뒷배경</a:t>
+            </a:r>
+            <a:r>
+              <a:rPr kumimoji="1" lang="en-US" altLang="ko-KR" dirty="0" smtClean="0">
+                <a:solidFill>
+                  <a:schemeClr val="tx1"/>
+                </a:solidFill>
+              </a:rPr>
+              <a:t>(</a:t>
+            </a:r>
+            <a:r>
+              <a:rPr kumimoji="1" lang="ko-KR" altLang="en-US" dirty="0" smtClean="0">
+                <a:solidFill>
+                  <a:schemeClr val="tx1"/>
+                </a:solidFill>
+              </a:rPr>
+              <a:t>천체의 표현</a:t>
+            </a:r>
+            <a:r>
+              <a:rPr kumimoji="1" lang="en-US" altLang="ko-KR" dirty="0" smtClean="0">
+                <a:solidFill>
+                  <a:schemeClr val="tx1"/>
+                </a:solidFill>
+              </a:rPr>
+              <a:t>)</a:t>
+            </a:r>
+            <a:endParaRPr kumimoji="1" lang="ko-KR" altLang="en-US" dirty="0">
+              <a:solidFill>
+                <a:schemeClr val="tx1"/>
+              </a:solidFill>
+            </a:endParaRPr>
+          </a:p>
+        </p:txBody>
+      </p:sp>
+      <p:sp>
+        <p:nvSpPr>
+          <p:cNvPr id="4" name="처리 3"/>
+          <p:cNvSpPr/>
+          <p:nvPr/>
+        </p:nvSpPr>
+        <p:spPr>
+          <a:xfrm>
+            <a:off x="5300419" y="1286360"/>
+            <a:ext cx="4277532" cy="2865946"/>
+          </a:xfrm>
+          <a:prstGeom prst="flowChartProcess">
+            <a:avLst/>
+          </a:prstGeom>
+          <a:solidFill>
+            <a:schemeClr val="bg1"/>
+          </a:solidFill>
+          <a:ln w="38100">
+            <a:solidFill>
+              <a:schemeClr val="tx1"/>
+            </a:solidFill>
+          </a:ln>
+        </p:spPr>
+        <p:style>
+          <a:lnRef idx="2">
+            <a:schemeClr val="accent1">
+              <a:shade val="50000"/>
+            </a:schemeClr>
+          </a:lnRef>
+          <a:fillRef idx="1">
+            <a:schemeClr val="accent1"/>
+          </a:fillRef>
+          <a:effectRef idx="0">
+            <a:schemeClr val="accent1"/>
+          </a:effectRef>
+          <a:fontRef idx="minor">
+            <a:schemeClr val="lt1"/>
+          </a:fontRef>
+        </p:style>
+        <p:txBody>
+          <a:bodyPr rtlCol="0" anchor="t"/>
+          <a:lstStyle/>
+          <a:p>
+            <a:r>
+              <a:rPr kumimoji="1" lang="en-US" altLang="ko-KR" dirty="0">
+                <a:solidFill>
+                  <a:schemeClr val="tx1"/>
+                </a:solidFill>
+              </a:rPr>
+              <a:t>Layer </a:t>
+            </a:r>
+            <a:r>
+              <a:rPr kumimoji="1" lang="en-US" altLang="ko-KR" dirty="0" smtClean="0">
+                <a:solidFill>
+                  <a:schemeClr val="tx1"/>
+                </a:solidFill>
+              </a:rPr>
+              <a:t>2 : </a:t>
+            </a:r>
+            <a:r>
+              <a:rPr kumimoji="1" lang="ko-KR" altLang="en-US" dirty="0" smtClean="0">
+                <a:solidFill>
+                  <a:schemeClr val="tx1"/>
+                </a:solidFill>
+              </a:rPr>
+              <a:t>지형</a:t>
+            </a:r>
+            <a:endParaRPr kumimoji="1" lang="ko-KR" altLang="en-US" dirty="0">
+              <a:solidFill>
+                <a:schemeClr val="tx1"/>
+              </a:solidFill>
+            </a:endParaRPr>
+          </a:p>
+        </p:txBody>
+      </p:sp>
+      <p:sp>
+        <p:nvSpPr>
+          <p:cNvPr id="6" name="처리 5"/>
+          <p:cNvSpPr/>
+          <p:nvPr/>
+        </p:nvSpPr>
+        <p:spPr>
+          <a:xfrm>
+            <a:off x="4262033" y="1751310"/>
+            <a:ext cx="4277532" cy="2865946"/>
+          </a:xfrm>
+          <a:prstGeom prst="flowChartProcess">
+            <a:avLst/>
+          </a:prstGeom>
+          <a:solidFill>
+            <a:schemeClr val="bg1"/>
+          </a:solidFill>
+          <a:ln w="38100">
+            <a:solidFill>
+              <a:schemeClr val="tx1"/>
+            </a:solidFill>
+          </a:ln>
+        </p:spPr>
+        <p:style>
+          <a:lnRef idx="2">
+            <a:schemeClr val="accent1">
+              <a:shade val="50000"/>
+            </a:schemeClr>
+          </a:lnRef>
+          <a:fillRef idx="1">
+            <a:schemeClr val="accent1"/>
+          </a:fillRef>
+          <a:effectRef idx="0">
+            <a:schemeClr val="accent1"/>
+          </a:effectRef>
+          <a:fontRef idx="minor">
+            <a:schemeClr val="lt1"/>
+          </a:fontRef>
+        </p:style>
+        <p:txBody>
+          <a:bodyPr rtlCol="0" anchor="t"/>
+          <a:lstStyle/>
+          <a:p>
+            <a:r>
+              <a:rPr kumimoji="1" lang="en-US" altLang="ko-KR" sz="1600" dirty="0">
+                <a:solidFill>
+                  <a:schemeClr val="tx1"/>
+                </a:solidFill>
+              </a:rPr>
+              <a:t>Layer </a:t>
+            </a:r>
+            <a:r>
+              <a:rPr kumimoji="1" lang="en-US" altLang="ko-KR" sz="1600" dirty="0" smtClean="0">
+                <a:solidFill>
+                  <a:schemeClr val="tx1"/>
+                </a:solidFill>
+              </a:rPr>
+              <a:t>3 :  </a:t>
+            </a:r>
+            <a:r>
+              <a:rPr kumimoji="1" lang="ko-KR" altLang="en-US" sz="1600" dirty="0" smtClean="0">
+                <a:solidFill>
+                  <a:schemeClr val="tx1"/>
+                </a:solidFill>
+              </a:rPr>
+              <a:t>플레이어</a:t>
+            </a:r>
+            <a:r>
+              <a:rPr kumimoji="1" lang="en-US" altLang="ko-KR" sz="1600" dirty="0" smtClean="0">
+                <a:solidFill>
+                  <a:schemeClr val="tx1"/>
+                </a:solidFill>
+              </a:rPr>
+              <a:t>,</a:t>
+            </a:r>
+            <a:r>
+              <a:rPr kumimoji="1" lang="ko-KR" altLang="en-US" sz="1600" dirty="0" smtClean="0">
+                <a:solidFill>
+                  <a:schemeClr val="tx1"/>
+                </a:solidFill>
+              </a:rPr>
+              <a:t> 몬스터 등의 오브젝트</a:t>
+            </a:r>
+            <a:endParaRPr kumimoji="1" lang="ko-KR" altLang="en-US" sz="1600" dirty="0">
+              <a:solidFill>
+                <a:schemeClr val="tx1"/>
+              </a:solidFill>
+            </a:endParaRPr>
+          </a:p>
+        </p:txBody>
+      </p:sp>
+      <p:sp>
+        <p:nvSpPr>
+          <p:cNvPr id="7" name="처리 6"/>
+          <p:cNvSpPr/>
+          <p:nvPr/>
+        </p:nvSpPr>
+        <p:spPr>
+          <a:xfrm>
+            <a:off x="3161653" y="2216259"/>
+            <a:ext cx="4277532" cy="2865946"/>
+          </a:xfrm>
+          <a:prstGeom prst="flowChartProcess">
+            <a:avLst/>
+          </a:prstGeom>
+          <a:solidFill>
+            <a:schemeClr val="bg1"/>
+          </a:solidFill>
+          <a:ln w="38100">
+            <a:solidFill>
+              <a:schemeClr val="tx1"/>
+            </a:solidFill>
+          </a:ln>
+        </p:spPr>
+        <p:style>
+          <a:lnRef idx="2">
+            <a:schemeClr val="accent1">
+              <a:shade val="50000"/>
+            </a:schemeClr>
+          </a:lnRef>
+          <a:fillRef idx="1">
+            <a:schemeClr val="accent1"/>
+          </a:fillRef>
+          <a:effectRef idx="0">
+            <a:schemeClr val="accent1"/>
+          </a:effectRef>
+          <a:fontRef idx="minor">
+            <a:schemeClr val="lt1"/>
+          </a:fontRef>
+        </p:style>
+        <p:txBody>
+          <a:bodyPr rtlCol="0" anchor="t"/>
+          <a:lstStyle/>
+          <a:p>
+            <a:r>
+              <a:rPr kumimoji="1" lang="en-US" altLang="ko-KR" dirty="0">
+                <a:solidFill>
+                  <a:schemeClr val="tx1"/>
+                </a:solidFill>
+              </a:rPr>
+              <a:t>Layer </a:t>
+            </a:r>
+            <a:r>
+              <a:rPr kumimoji="1" lang="en-US" altLang="ko-KR" dirty="0" smtClean="0">
+                <a:solidFill>
+                  <a:schemeClr val="tx1"/>
+                </a:solidFill>
+              </a:rPr>
+              <a:t>4 : HP</a:t>
+            </a:r>
+            <a:r>
+              <a:rPr kumimoji="1" lang="ko-KR" altLang="en-US" dirty="0" smtClean="0">
+                <a:solidFill>
+                  <a:schemeClr val="tx1"/>
+                </a:solidFill>
+              </a:rPr>
+              <a:t>바</a:t>
+            </a:r>
+            <a:r>
+              <a:rPr kumimoji="1" lang="en-US" altLang="ko-KR" dirty="0" smtClean="0">
+                <a:solidFill>
+                  <a:schemeClr val="tx1"/>
+                </a:solidFill>
+              </a:rPr>
+              <a:t>, </a:t>
+            </a:r>
+            <a:r>
+              <a:rPr kumimoji="1" lang="ko-KR" altLang="en-US" dirty="0" smtClean="0">
+                <a:solidFill>
+                  <a:schemeClr val="tx1"/>
+                </a:solidFill>
+              </a:rPr>
+              <a:t>이름 등의 인게임 </a:t>
+            </a:r>
+            <a:r>
+              <a:rPr kumimoji="1" lang="en-US" altLang="ko-KR" dirty="0" smtClean="0">
+                <a:solidFill>
+                  <a:schemeClr val="tx1"/>
+                </a:solidFill>
+              </a:rPr>
+              <a:t>UI</a:t>
+            </a:r>
+            <a:endParaRPr kumimoji="1" lang="ko-KR" altLang="en-US" dirty="0">
+              <a:solidFill>
+                <a:schemeClr val="tx1"/>
+              </a:solidFill>
+            </a:endParaRPr>
+          </a:p>
+        </p:txBody>
+      </p:sp>
+      <p:sp>
+        <p:nvSpPr>
+          <p:cNvPr id="8" name="처리 7"/>
+          <p:cNvSpPr/>
+          <p:nvPr/>
+        </p:nvSpPr>
+        <p:spPr>
+          <a:xfrm>
+            <a:off x="2231755" y="2672839"/>
+            <a:ext cx="4277532" cy="2865946"/>
+          </a:xfrm>
+          <a:prstGeom prst="flowChartProcess">
+            <a:avLst/>
+          </a:prstGeom>
+          <a:solidFill>
+            <a:schemeClr val="bg1"/>
+          </a:solidFill>
+          <a:ln w="38100">
+            <a:solidFill>
+              <a:schemeClr val="tx1"/>
+            </a:solidFill>
+          </a:ln>
+        </p:spPr>
+        <p:style>
+          <a:lnRef idx="2">
+            <a:schemeClr val="accent1">
+              <a:shade val="50000"/>
+            </a:schemeClr>
+          </a:lnRef>
+          <a:fillRef idx="1">
+            <a:schemeClr val="accent1"/>
+          </a:fillRef>
+          <a:effectRef idx="0">
+            <a:schemeClr val="accent1"/>
+          </a:effectRef>
+          <a:fontRef idx="minor">
+            <a:schemeClr val="lt1"/>
+          </a:fontRef>
+        </p:style>
+        <p:txBody>
+          <a:bodyPr rtlCol="0" anchor="t"/>
+          <a:lstStyle/>
+          <a:p>
+            <a:r>
+              <a:rPr kumimoji="1" lang="en-US" altLang="ko-KR" dirty="0">
+                <a:solidFill>
+                  <a:schemeClr val="tx1"/>
+                </a:solidFill>
+              </a:rPr>
+              <a:t>Layer </a:t>
+            </a:r>
+            <a:r>
+              <a:rPr kumimoji="1" lang="en-US" altLang="ko-KR" dirty="0" smtClean="0">
+                <a:solidFill>
+                  <a:schemeClr val="tx1"/>
+                </a:solidFill>
+              </a:rPr>
+              <a:t>5 : </a:t>
+            </a:r>
+            <a:r>
+              <a:rPr kumimoji="1" lang="ko-KR" altLang="en-US" dirty="0" smtClean="0">
+                <a:solidFill>
+                  <a:schemeClr val="tx1"/>
+                </a:solidFill>
+              </a:rPr>
+              <a:t>플레이어 </a:t>
+            </a:r>
+            <a:r>
+              <a:rPr kumimoji="1" lang="en-US" altLang="ko-KR" dirty="0" smtClean="0">
+                <a:solidFill>
+                  <a:schemeClr val="tx1"/>
+                </a:solidFill>
+              </a:rPr>
+              <a:t>UI</a:t>
+            </a:r>
+            <a:endParaRPr kumimoji="1" lang="ko-KR" altLang="en-US" dirty="0">
+              <a:solidFill>
+                <a:schemeClr val="tx1"/>
+              </a:solidFill>
+            </a:endParaRPr>
+          </a:p>
+        </p:txBody>
+      </p:sp>
+    </p:spTree>
+    <p:extLst>
+      <p:ext uri="{BB962C8B-B14F-4D97-AF65-F5344CB8AC3E}">
+        <p14:creationId xmlns:p14="http://schemas.microsoft.com/office/powerpoint/2010/main" val="1174793153"/>
+      </p:ext>
+    </p:extLst>
+  </p:cSld>
+  <p:clrMapOvr>
+    <a:masterClrMapping/>
+  </p:clrMapOvr>
+</p:sld>
+</file>
+
+<file path=ppt/slides/slide3.xml><?xml version="1.0" encoding="utf-8"?>
+<p:sld xmlns:a="http://schemas.openxmlformats.org/drawingml/2006/main" xmlns:r="http://schemas.openxmlformats.org/officeDocument/2006/relationships" xmlns:p="http://schemas.openxmlformats.org/presentationml/2006/main">
+  <p:cSld>
+    <p:spTree>
+      <p:nvGrpSpPr>
+        <p:cNvPr id="1" name=""/>
+        <p:cNvGrpSpPr/>
+        <p:nvPr/>
+      </p:nvGrpSpPr>
+      <p:grpSpPr>
+        <a:xfrm>
+          <a:off x="0" y="0"/>
+          <a:ext cx="0" cy="0"/>
+          <a:chOff x="0" y="0"/>
+          <a:chExt cx="0" cy="0"/>
+        </a:xfrm>
+      </p:grpSpPr>
+      <p:pic>
+        <p:nvPicPr>
+          <p:cNvPr id="4" name="그림 3"/>
+          <p:cNvPicPr>
+            <a:picLocks noChangeAspect="1"/>
+          </p:cNvPicPr>
+          <p:nvPr/>
+        </p:nvPicPr>
+        <p:blipFill>
+          <a:blip r:embed="rId2">
+            <a:extLst>
+              <a:ext uri="{28A0092B-C50C-407E-A947-70E740481C1C}">
+                <a14:useLocalDpi xmlns:a14="http://schemas.microsoft.com/office/drawing/2010/main" val="0"/>
+              </a:ext>
+            </a:extLst>
+          </a:blip>
+          <a:stretch>
+            <a:fillRect/>
+          </a:stretch>
+        </p:blipFill>
+        <p:spPr>
+          <a:xfrm>
+            <a:off x="1460500" y="673100"/>
+            <a:ext cx="9258300" cy="5499100"/>
+          </a:xfrm>
+          <a:prstGeom prst="rect">
+            <a:avLst/>
+          </a:prstGeom>
+          <a:solidFill>
+            <a:srgbClr val="FF0000"/>
+          </a:solidFill>
+        </p:spPr>
+      </p:pic>
+      <p:sp>
+        <p:nvSpPr>
+          <p:cNvPr id="6" name="오른쪽 화살표[R] 5"/>
+          <p:cNvSpPr/>
+          <p:nvPr/>
+        </p:nvSpPr>
+        <p:spPr>
+          <a:xfrm rot="16406460">
+            <a:off x="7733657" y="2291607"/>
+            <a:ext cx="1410346" cy="805911"/>
+          </a:xfrm>
+          <a:prstGeom prst="rightArrow">
+            <a:avLst/>
+          </a:prstGeom>
+          <a:solidFill>
+            <a:srgbClr val="FF0000"/>
+          </a:solidFill>
+          <a:ln>
+            <a:noFill/>
+          </a:ln>
+        </p:spPr>
+        <p:style>
+          <a:lnRef idx="2">
+            <a:schemeClr val="accent1">
+              <a:shade val="50000"/>
+            </a:schemeClr>
+          </a:lnRef>
+          <a:fillRef idx="1">
+            <a:schemeClr val="accent1"/>
+          </a:fillRef>
+          <a:effectRef idx="0">
+            <a:schemeClr val="accent1"/>
+          </a:effectRef>
+          <a:fontRef idx="minor">
+            <a:schemeClr val="lt1"/>
+          </a:fontRef>
+        </p:style>
+        <p:txBody>
+          <a:bodyPr rtlCol="0" anchor="ctr"/>
+          <a:lstStyle/>
+          <a:p>
+            <a:pPr algn="ctr"/>
+            <a:endParaRPr kumimoji="1" lang="ko-KR" altLang="en-US"/>
+          </a:p>
+        </p:txBody>
+      </p:sp>
+    </p:spTree>
+    <p:extLst>
+      <p:ext uri="{BB962C8B-B14F-4D97-AF65-F5344CB8AC3E}">
+        <p14:creationId xmlns:p14="http://schemas.microsoft.com/office/powerpoint/2010/main" val="867095923"/>
+      </p:ext>
+    </p:extLst>
+  </p:cSld>
+  <p:clrMapOvr>
+    <a:masterClrMapping/>
+  </p:clrMapOvr>
+</p:sld>
+</file>
+
+<file path=ppt/slides/slide4.xml><?xml version="1.0" encoding="utf-8"?>
+<p:sld xmlns:a="http://schemas.openxmlformats.org/drawingml/2006/main" xmlns:r="http://schemas.openxmlformats.org/officeDocument/2006/relationships" xmlns:p="http://schemas.openxmlformats.org/presentationml/2006/main">
+  <p:cSld>
+    <p:spTree>
+      <p:nvGrpSpPr>
+        <p:cNvPr id="1" name=""/>
+        <p:cNvGrpSpPr/>
+        <p:nvPr/>
+      </p:nvGrpSpPr>
+      <p:grpSpPr>
+        <a:xfrm>
+          <a:off x="0" y="0"/>
+          <a:ext cx="0" cy="0"/>
+          <a:chOff x="0" y="0"/>
+          <a:chExt cx="0" cy="0"/>
+        </a:xfrm>
+      </p:grpSpPr>
+      <p:sp>
+        <p:nvSpPr>
+          <p:cNvPr id="7" name="타원 6"/>
+          <p:cNvSpPr/>
+          <p:nvPr/>
+        </p:nvSpPr>
+        <p:spPr>
+          <a:xfrm>
+            <a:off x="4448013" y="3153690"/>
+            <a:ext cx="4122549" cy="1030852"/>
+          </a:xfrm>
+          <a:prstGeom prst="ellipse">
+            <a:avLst/>
+          </a:prstGeom>
+          <a:solidFill>
+            <a:schemeClr val="accent4">
+              <a:alpha val="62000"/>
+            </a:schemeClr>
+          </a:solidFill>
+          <a:ln>
+            <a:noFill/>
+          </a:ln>
+        </p:spPr>
+        <p:style>
+          <a:lnRef idx="2">
+            <a:schemeClr val="accent1">
+              <a:shade val="50000"/>
+            </a:schemeClr>
+          </a:lnRef>
+          <a:fillRef idx="1">
+            <a:schemeClr val="accent1"/>
+          </a:fillRef>
+          <a:effectRef idx="0">
+            <a:schemeClr val="accent1"/>
+          </a:effectRef>
+          <a:fontRef idx="minor">
+            <a:schemeClr val="lt1"/>
+          </a:fontRef>
+        </p:style>
+        <p:txBody>
+          <a:bodyPr rtlCol="0" anchor="ctr"/>
+          <a:lstStyle/>
+          <a:p>
+            <a:pPr algn="ctr"/>
+            <a:endParaRPr kumimoji="1" lang="ko-KR" altLang="en-US"/>
+          </a:p>
+        </p:txBody>
+      </p:sp>
+      <p:sp>
+        <p:nvSpPr>
+          <p:cNvPr id="8" name="타원 7"/>
+          <p:cNvSpPr/>
+          <p:nvPr/>
+        </p:nvSpPr>
+        <p:spPr>
+          <a:xfrm>
+            <a:off x="4448013" y="1607841"/>
+            <a:ext cx="4122549" cy="4122549"/>
+          </a:xfrm>
+          <a:prstGeom prst="ellipse">
+            <a:avLst/>
+          </a:prstGeom>
+          <a:solidFill>
+            <a:srgbClr val="00B0F0">
+              <a:alpha val="27000"/>
+            </a:srgbClr>
+          </a:solidFill>
+          <a:ln>
+            <a:noFill/>
+          </a:ln>
+        </p:spPr>
+        <p:style>
+          <a:lnRef idx="2">
+            <a:schemeClr val="accent1">
+              <a:shade val="50000"/>
+            </a:schemeClr>
+          </a:lnRef>
+          <a:fillRef idx="1">
+            <a:schemeClr val="accent1"/>
+          </a:fillRef>
+          <a:effectRef idx="0">
+            <a:schemeClr val="accent1"/>
+          </a:effectRef>
+          <a:fontRef idx="minor">
+            <a:schemeClr val="lt1"/>
+          </a:fontRef>
+        </p:style>
+        <p:txBody>
+          <a:bodyPr rtlCol="0" anchor="ctr"/>
+          <a:lstStyle/>
+          <a:p>
+            <a:pPr algn="ctr"/>
+            <a:endParaRPr kumimoji="1" lang="ko-KR" altLang="en-US"/>
+          </a:p>
+        </p:txBody>
+      </p:sp>
+      <p:pic>
+        <p:nvPicPr>
+          <p:cNvPr id="4" name="그림 3"/>
+          <p:cNvPicPr>
+            <a:picLocks noChangeAspect="1"/>
+          </p:cNvPicPr>
+          <p:nvPr/>
+        </p:nvPicPr>
+        <p:blipFill>
+          <a:blip r:embed="rId2">
+            <a:extLst>
+              <a:ext uri="{BEBA8EAE-BF5A-486C-A8C5-ECC9F3942E4B}">
+                <a14:imgProps xmlns:a14="http://schemas.microsoft.com/office/drawing/2010/main">
+                  <a14:imgLayer r:embed="rId3">
+                    <a14:imgEffect>
+                      <a14:backgroundRemoval t="0" b="100000" l="0" r="100000"/>
+                    </a14:imgEffect>
+                  </a14:imgLayer>
+                </a14:imgProps>
+              </a:ext>
+              <a:ext uri="{28A0092B-C50C-407E-A947-70E740481C1C}">
+                <a14:useLocalDpi xmlns:a14="http://schemas.microsoft.com/office/drawing/2010/main" val="0"/>
+              </a:ext>
+            </a:extLst>
+          </a:blip>
+          <a:stretch>
+            <a:fillRect/>
+          </a:stretch>
+        </p:blipFill>
+        <p:spPr>
+          <a:xfrm>
+            <a:off x="5660756" y="2580608"/>
+            <a:ext cx="1050010" cy="1146165"/>
+          </a:xfrm>
+          <a:prstGeom prst="rect">
+            <a:avLst/>
+          </a:prstGeom>
+        </p:spPr>
+      </p:pic>
+      <p:sp>
+        <p:nvSpPr>
+          <p:cNvPr id="11" name="오른쪽 화살표[R] 10"/>
+          <p:cNvSpPr/>
+          <p:nvPr/>
+        </p:nvSpPr>
+        <p:spPr>
+          <a:xfrm rot="1382658">
+            <a:off x="3999031" y="3320618"/>
+            <a:ext cx="703569" cy="348497"/>
+          </a:xfrm>
+          <a:prstGeom prst="rightArrow">
+            <a:avLst/>
+          </a:prstGeom>
+          <a:solidFill>
+            <a:srgbClr val="FF0000"/>
+          </a:solidFill>
+          <a:ln>
+            <a:noFill/>
+          </a:ln>
+        </p:spPr>
+        <p:style>
+          <a:lnRef idx="2">
+            <a:schemeClr val="accent1">
+              <a:shade val="50000"/>
+            </a:schemeClr>
+          </a:lnRef>
+          <a:fillRef idx="1">
+            <a:schemeClr val="accent1"/>
+          </a:fillRef>
+          <a:effectRef idx="0">
+            <a:schemeClr val="accent1"/>
+          </a:effectRef>
+          <a:fontRef idx="minor">
+            <a:schemeClr val="lt1"/>
+          </a:fontRef>
+        </p:style>
+        <p:txBody>
+          <a:bodyPr rtlCol="0" anchor="ctr"/>
+          <a:lstStyle/>
+          <a:p>
+            <a:pPr algn="ctr"/>
+            <a:endParaRPr kumimoji="1" lang="ko-KR" altLang="en-US"/>
+          </a:p>
+        </p:txBody>
+      </p:sp>
+      <p:sp>
+        <p:nvSpPr>
+          <p:cNvPr id="12" name="TextBox 11"/>
+          <p:cNvSpPr txBox="1"/>
+          <p:nvPr/>
+        </p:nvSpPr>
+        <p:spPr>
+          <a:xfrm>
+            <a:off x="2620066" y="2805191"/>
+            <a:ext cx="1338828" cy="646331"/>
+          </a:xfrm>
+          <a:prstGeom prst="rect">
+            <a:avLst/>
+          </a:prstGeom>
+          <a:noFill/>
+        </p:spPr>
+        <p:txBody>
+          <a:bodyPr wrap="none" rtlCol="0">
+            <a:spAutoFit/>
+          </a:bodyPr>
+          <a:lstStyle/>
+          <a:p>
+            <a:pPr algn="ctr"/>
+            <a:r>
+              <a:rPr kumimoji="1" lang="ko-KR" altLang="en-US" dirty="0" smtClean="0"/>
+              <a:t>플레이어의</a:t>
+            </a:r>
+            <a:endParaRPr kumimoji="1" lang="en-US" altLang="ko-KR" dirty="0" smtClean="0"/>
+          </a:p>
+          <a:p>
+            <a:pPr algn="ctr"/>
+            <a:r>
+              <a:rPr kumimoji="1" lang="ko-KR" altLang="en-US" dirty="0" smtClean="0"/>
+              <a:t>최대 시야</a:t>
+            </a:r>
+            <a:endParaRPr kumimoji="1" lang="ko-KR" altLang="en-US" dirty="0"/>
+          </a:p>
+        </p:txBody>
+      </p:sp>
+      <p:sp>
+        <p:nvSpPr>
+          <p:cNvPr id="14" name="TextBox 13"/>
+          <p:cNvSpPr txBox="1"/>
+          <p:nvPr/>
+        </p:nvSpPr>
+        <p:spPr>
+          <a:xfrm>
+            <a:off x="7898656" y="756427"/>
+            <a:ext cx="1733180" cy="923330"/>
+          </a:xfrm>
+          <a:prstGeom prst="rect">
+            <a:avLst/>
+          </a:prstGeom>
+          <a:noFill/>
+        </p:spPr>
+        <p:txBody>
+          <a:bodyPr wrap="square" rtlCol="0">
+            <a:spAutoFit/>
+          </a:bodyPr>
+          <a:lstStyle/>
+          <a:p>
+            <a:pPr algn="ctr"/>
+            <a:r>
+              <a:rPr kumimoji="1" lang="en-US" altLang="ko-KR" smtClean="0"/>
+              <a:t>layer1</a:t>
+            </a:r>
+          </a:p>
+          <a:p>
+            <a:pPr algn="ctr"/>
+            <a:r>
+              <a:rPr kumimoji="1" lang="ko-KR" altLang="en-US" dirty="0" smtClean="0"/>
+              <a:t>땅과 천체의</a:t>
+            </a:r>
+            <a:endParaRPr kumimoji="1" lang="en-US" altLang="ko-KR" dirty="0" smtClean="0"/>
+          </a:p>
+          <a:p>
+            <a:pPr algn="ctr"/>
+            <a:r>
+              <a:rPr kumimoji="1" lang="ko-KR" altLang="en-US" dirty="0" smtClean="0"/>
+              <a:t>표현</a:t>
+            </a:r>
+            <a:endParaRPr kumimoji="1" lang="ko-KR" altLang="en-US" dirty="0"/>
+          </a:p>
+        </p:txBody>
+      </p:sp>
+      <p:sp>
+        <p:nvSpPr>
+          <p:cNvPr id="15" name="타원 14"/>
+          <p:cNvSpPr/>
+          <p:nvPr/>
+        </p:nvSpPr>
+        <p:spPr>
+          <a:xfrm>
+            <a:off x="4136697" y="1296525"/>
+            <a:ext cx="4745180" cy="4745180"/>
+          </a:xfrm>
+          <a:prstGeom prst="ellipse">
+            <a:avLst/>
+          </a:prstGeom>
+          <a:solidFill>
+            <a:schemeClr val="accent2">
+              <a:lumMod val="40000"/>
+              <a:lumOff val="60000"/>
+              <a:alpha val="27000"/>
+            </a:schemeClr>
+          </a:solidFill>
+          <a:ln>
+            <a:noFill/>
+          </a:ln>
+        </p:spPr>
+        <p:style>
+          <a:lnRef idx="2">
+            <a:schemeClr val="accent1">
+              <a:shade val="50000"/>
+            </a:schemeClr>
+          </a:lnRef>
+          <a:fillRef idx="1">
+            <a:schemeClr val="accent1"/>
+          </a:fillRef>
+          <a:effectRef idx="0">
+            <a:schemeClr val="accent1"/>
+          </a:effectRef>
+          <a:fontRef idx="minor">
+            <a:schemeClr val="lt1"/>
+          </a:fontRef>
+        </p:style>
+        <p:txBody>
+          <a:bodyPr rtlCol="0" anchor="ctr"/>
+          <a:lstStyle/>
+          <a:p>
+            <a:pPr algn="ctr"/>
+            <a:endParaRPr kumimoji="1" lang="ko-KR" altLang="en-US"/>
+          </a:p>
+        </p:txBody>
+      </p:sp>
+      <p:sp>
+        <p:nvSpPr>
+          <p:cNvPr id="13" name="오른쪽 화살표[R] 12"/>
+          <p:cNvSpPr/>
+          <p:nvPr/>
+        </p:nvSpPr>
+        <p:spPr>
+          <a:xfrm rot="7142340">
+            <a:off x="7958983" y="1768606"/>
+            <a:ext cx="703569" cy="348497"/>
+          </a:xfrm>
+          <a:prstGeom prst="rightArrow">
+            <a:avLst/>
+          </a:prstGeom>
+          <a:solidFill>
+            <a:srgbClr val="FF0000"/>
+          </a:solidFill>
+          <a:ln>
+            <a:noFill/>
+          </a:ln>
+        </p:spPr>
+        <p:style>
+          <a:lnRef idx="2">
+            <a:schemeClr val="accent1">
+              <a:shade val="50000"/>
+            </a:schemeClr>
+          </a:lnRef>
+          <a:fillRef idx="1">
+            <a:schemeClr val="accent1"/>
+          </a:fillRef>
+          <a:effectRef idx="0">
+            <a:schemeClr val="accent1"/>
+          </a:effectRef>
+          <a:fontRef idx="minor">
+            <a:schemeClr val="lt1"/>
+          </a:fontRef>
+        </p:style>
+        <p:txBody>
+          <a:bodyPr rtlCol="0" anchor="ctr"/>
+          <a:lstStyle/>
+          <a:p>
+            <a:pPr algn="ctr"/>
+            <a:endParaRPr kumimoji="1" lang="ko-KR" altLang="en-US"/>
+          </a:p>
+        </p:txBody>
+      </p:sp>
+      <p:sp>
+        <p:nvSpPr>
+          <p:cNvPr id="16" name="오른쪽 화살표[R] 15"/>
+          <p:cNvSpPr/>
+          <p:nvPr/>
+        </p:nvSpPr>
+        <p:spPr>
+          <a:xfrm rot="10608177">
+            <a:off x="8034847" y="2686965"/>
+            <a:ext cx="703569" cy="348497"/>
+          </a:xfrm>
+          <a:prstGeom prst="rightArrow">
+            <a:avLst/>
+          </a:prstGeom>
+          <a:solidFill>
+            <a:srgbClr val="FF0000"/>
+          </a:solidFill>
+          <a:ln>
+            <a:noFill/>
+          </a:ln>
+        </p:spPr>
+        <p:style>
+          <a:lnRef idx="2">
+            <a:schemeClr val="accent1">
+              <a:shade val="50000"/>
+            </a:schemeClr>
+          </a:lnRef>
+          <a:fillRef idx="1">
+            <a:schemeClr val="accent1"/>
+          </a:fillRef>
+          <a:effectRef idx="0">
+            <a:schemeClr val="accent1"/>
+          </a:effectRef>
+          <a:fontRef idx="minor">
+            <a:schemeClr val="lt1"/>
+          </a:fontRef>
+        </p:style>
+        <p:txBody>
+          <a:bodyPr rtlCol="0" anchor="ctr"/>
+          <a:lstStyle/>
+          <a:p>
+            <a:pPr algn="ctr"/>
+            <a:endParaRPr kumimoji="1" lang="ko-KR" altLang="en-US"/>
+          </a:p>
+        </p:txBody>
+      </p:sp>
+      <p:sp>
+        <p:nvSpPr>
+          <p:cNvPr id="17" name="TextBox 16"/>
+          <p:cNvSpPr txBox="1"/>
+          <p:nvPr/>
+        </p:nvSpPr>
+        <p:spPr>
+          <a:xfrm>
+            <a:off x="8766463" y="2507359"/>
+            <a:ext cx="1651413" cy="923330"/>
+          </a:xfrm>
+          <a:prstGeom prst="rect">
+            <a:avLst/>
+          </a:prstGeom>
+          <a:noFill/>
+        </p:spPr>
+        <p:txBody>
+          <a:bodyPr wrap="none" rtlCol="0">
+            <a:spAutoFit/>
+          </a:bodyPr>
+          <a:lstStyle/>
+          <a:p>
+            <a:pPr algn="ctr"/>
+            <a:r>
+              <a:rPr kumimoji="1" lang="en-US" altLang="ko-KR" smtClean="0"/>
+              <a:t>Layer2</a:t>
+            </a:r>
+          </a:p>
+          <a:p>
+            <a:pPr algn="ctr"/>
+            <a:r>
+              <a:rPr kumimoji="1" lang="ko-KR" altLang="en-US" dirty="0" smtClean="0"/>
+              <a:t>흘러가는 구름</a:t>
+            </a:r>
+            <a:endParaRPr kumimoji="1" lang="en-US" altLang="ko-KR" dirty="0" smtClean="0"/>
+          </a:p>
+          <a:p>
+            <a:pPr algn="ctr"/>
+            <a:r>
+              <a:rPr kumimoji="1" lang="ko-KR" altLang="en-US" dirty="0" smtClean="0"/>
+              <a:t>등의 표현</a:t>
+            </a:r>
+            <a:endParaRPr kumimoji="1" lang="ko-KR" altLang="en-US" dirty="0"/>
+          </a:p>
+        </p:txBody>
+      </p:sp>
+    </p:spTree>
+    <p:extLst>
+      <p:ext uri="{BB962C8B-B14F-4D97-AF65-F5344CB8AC3E}">
+        <p14:creationId xmlns:p14="http://schemas.microsoft.com/office/powerpoint/2010/main" val="985879810"/>
+      </p:ext>
+    </p:extLst>
+  </p:cSld>
+  <p:clrMapOvr>
+    <a:masterClrMapping/>
+  </p:clrMapOvr>
+</p:sld>
+</file>
+
+<file path=ppt/slides/slide5.xml><?xml version="1.0" encoding="utf-8"?>
+<p:sld xmlns:a="http://schemas.openxmlformats.org/drawingml/2006/main" xmlns:r="http://schemas.openxmlformats.org/officeDocument/2006/relationships" xmlns:p="http://schemas.openxmlformats.org/presentationml/2006/main">
+  <p:cSld>
+    <p:spTree>
+      <p:nvGrpSpPr>
+        <p:cNvPr id="1" name=""/>
+        <p:cNvGrpSpPr/>
+        <p:nvPr/>
+      </p:nvGrpSpPr>
+      <p:grpSpPr>
+        <a:xfrm>
+          <a:off x="0" y="0"/>
+          <a:ext cx="0" cy="0"/>
+          <a:chOff x="0" y="0"/>
+          <a:chExt cx="0" cy="0"/>
+        </a:xfrm>
+      </p:grpSpPr>
+      <p:sp>
+        <p:nvSpPr>
+          <p:cNvPr id="5" name="타원 4"/>
+          <p:cNvSpPr/>
+          <p:nvPr/>
+        </p:nvSpPr>
+        <p:spPr>
+          <a:xfrm>
+            <a:off x="4691921" y="2769434"/>
+            <a:ext cx="3582649" cy="2417164"/>
+          </a:xfrm>
+          <a:prstGeom prst="ellipse">
+            <a:avLst/>
+          </a:prstGeom>
+          <a:noFill/>
+          <a:ln w="38100">
+            <a:solidFill>
+              <a:schemeClr val="tx1"/>
+            </a:solidFill>
+          </a:ln>
+        </p:spPr>
+        <p:style>
+          <a:lnRef idx="2">
+            <a:schemeClr val="accent1">
+              <a:shade val="50000"/>
+            </a:schemeClr>
+          </a:lnRef>
+          <a:fillRef idx="1">
+            <a:schemeClr val="accent1"/>
+          </a:fillRef>
+          <a:effectRef idx="0">
+            <a:schemeClr val="accent1"/>
+          </a:effectRef>
+          <a:fontRef idx="minor">
+            <a:schemeClr val="lt1"/>
+          </a:fontRef>
+        </p:style>
+        <p:txBody>
+          <a:bodyPr rtlCol="0" anchor="ctr"/>
+          <a:lstStyle/>
+          <a:p>
+            <a:pPr algn="ctr"/>
+            <a:endParaRPr kumimoji="1" lang="ko-KR" altLang="en-US"/>
+          </a:p>
+        </p:txBody>
+      </p:sp>
+      <p:pic>
+        <p:nvPicPr>
+          <p:cNvPr id="4" name="그림 3"/>
+          <p:cNvPicPr>
+            <a:picLocks noChangeAspect="1"/>
+          </p:cNvPicPr>
+          <p:nvPr/>
+        </p:nvPicPr>
+        <p:blipFill>
+          <a:blip r:embed="rId2">
+            <a:extLst>
+              <a:ext uri="{BEBA8EAE-BF5A-486C-A8C5-ECC9F3942E4B}">
+                <a14:imgProps xmlns:a14="http://schemas.microsoft.com/office/drawing/2010/main">
+                  <a14:imgLayer r:embed="rId3">
+                    <a14:imgEffect>
+                      <a14:backgroundRemoval t="0" b="100000" l="0" r="100000"/>
+                    </a14:imgEffect>
+                  </a14:imgLayer>
+                </a14:imgProps>
+              </a:ext>
+              <a:ext uri="{28A0092B-C50C-407E-A947-70E740481C1C}">
+                <a14:useLocalDpi xmlns:a14="http://schemas.microsoft.com/office/drawing/2010/main" val="0"/>
+              </a:ext>
+            </a:extLst>
+          </a:blip>
+          <a:stretch>
+            <a:fillRect/>
+          </a:stretch>
+        </p:blipFill>
+        <p:spPr>
+          <a:xfrm>
+            <a:off x="5257800" y="2514600"/>
+            <a:ext cx="1664208" cy="1816608"/>
+          </a:xfrm>
+          <a:prstGeom prst="rect">
+            <a:avLst/>
+          </a:prstGeom>
+        </p:spPr>
+      </p:pic>
+      <p:sp>
+        <p:nvSpPr>
+          <p:cNvPr id="6" name="오른쪽 중괄호[R] 5"/>
+          <p:cNvSpPr/>
+          <p:nvPr/>
+        </p:nvSpPr>
+        <p:spPr>
+          <a:xfrm rot="16200000">
+            <a:off x="7195579" y="3383082"/>
+            <a:ext cx="584616" cy="1274164"/>
+          </a:xfrm>
+          <a:prstGeom prst="rightBrace">
+            <a:avLst>
+              <a:gd name="adj1" fmla="val 39102"/>
+              <a:gd name="adj2" fmla="val 58236"/>
+            </a:avLst>
+          </a:prstGeom>
+          <a:ln w="25400">
+            <a:solidFill>
+              <a:schemeClr val="tx1"/>
+            </a:solidFill>
+          </a:ln>
+        </p:spPr>
+        <p:style>
+          <a:lnRef idx="1">
+            <a:schemeClr val="accent1"/>
+          </a:lnRef>
+          <a:fillRef idx="0">
+            <a:schemeClr val="accent1"/>
+          </a:fillRef>
+          <a:effectRef idx="0">
+            <a:schemeClr val="accent1"/>
+          </a:effectRef>
+          <a:fontRef idx="minor">
+            <a:schemeClr val="tx1"/>
+          </a:fontRef>
+        </p:style>
+        <p:txBody>
+          <a:bodyPr rtlCol="0" anchor="ctr"/>
+          <a:lstStyle/>
+          <a:p>
+            <a:pPr algn="ctr"/>
+            <a:endParaRPr kumimoji="1" lang="ko-KR" altLang="en-US"/>
+          </a:p>
+        </p:txBody>
+      </p:sp>
+      <p:sp>
+        <p:nvSpPr>
+          <p:cNvPr id="7" name="TextBox 6"/>
+          <p:cNvSpPr txBox="1"/>
+          <p:nvPr/>
+        </p:nvSpPr>
+        <p:spPr>
+          <a:xfrm>
+            <a:off x="7177079" y="3321049"/>
+            <a:ext cx="692818" cy="369332"/>
+          </a:xfrm>
+          <a:prstGeom prst="rect">
+            <a:avLst/>
+          </a:prstGeom>
+          <a:noFill/>
+        </p:spPr>
+        <p:txBody>
+          <a:bodyPr wrap="none" rtlCol="0">
+            <a:spAutoFit/>
+          </a:bodyPr>
+          <a:lstStyle/>
+          <a:p>
+            <a:r>
+              <a:rPr kumimoji="1" lang="en-US" altLang="ko-KR" dirty="0" smtClean="0"/>
+              <a:t>1.5</a:t>
+            </a:r>
+            <a:r>
+              <a:rPr kumimoji="1" lang="en-US" altLang="ko-KR" dirty="0"/>
+              <a:t>m</a:t>
+            </a:r>
+            <a:endParaRPr kumimoji="1" lang="ko-KR" altLang="en-US" dirty="0"/>
+          </a:p>
+        </p:txBody>
+      </p:sp>
+      <p:sp>
+        <p:nvSpPr>
+          <p:cNvPr id="8" name="모서리가 둥근 직사각형 7"/>
+          <p:cNvSpPr/>
+          <p:nvPr/>
+        </p:nvSpPr>
+        <p:spPr>
+          <a:xfrm>
+            <a:off x="5846164" y="2083633"/>
+            <a:ext cx="1330915" cy="430967"/>
+          </a:xfrm>
+          <a:prstGeom prst="roundRect">
+            <a:avLst/>
+          </a:prstGeom>
+          <a:noFill/>
+          <a:ln w="38100">
+            <a:solidFill>
+              <a:schemeClr val="tx1"/>
+            </a:solidFill>
+          </a:ln>
+        </p:spPr>
+        <p:style>
+          <a:lnRef idx="2">
+            <a:schemeClr val="accent1">
+              <a:shade val="50000"/>
+            </a:schemeClr>
+          </a:lnRef>
+          <a:fillRef idx="1">
+            <a:schemeClr val="accent1"/>
+          </a:fillRef>
+          <a:effectRef idx="0">
+            <a:schemeClr val="accent1"/>
+          </a:effectRef>
+          <a:fontRef idx="minor">
+            <a:schemeClr val="lt1"/>
+          </a:fontRef>
+        </p:style>
+        <p:txBody>
+          <a:bodyPr rtlCol="0" anchor="ctr"/>
+          <a:lstStyle/>
+          <a:p>
+            <a:pPr algn="ctr"/>
+            <a:r>
+              <a:rPr kumimoji="1" lang="en-US" altLang="ko-KR" dirty="0" smtClean="0">
+                <a:solidFill>
+                  <a:schemeClr val="tx1"/>
+                </a:solidFill>
+              </a:rPr>
+              <a:t>SPACE!</a:t>
+            </a:r>
+            <a:endParaRPr kumimoji="1" lang="ko-KR" altLang="en-US" dirty="0">
+              <a:solidFill>
+                <a:schemeClr val="tx1"/>
+              </a:solidFill>
+            </a:endParaRPr>
+          </a:p>
+        </p:txBody>
+      </p:sp>
+    </p:spTree>
+    <p:extLst>
+      <p:ext uri="{BB962C8B-B14F-4D97-AF65-F5344CB8AC3E}">
+        <p14:creationId xmlns:p14="http://schemas.microsoft.com/office/powerpoint/2010/main" val="1492476788"/>
+      </p:ext>
+    </p:extLst>
+  </p:cSld>
+  <p:clrMapOvr>
+    <a:masterClrMapping/>
+  </p:clrMapOvr>
+</p:sld>
+</file>
+
+<file path=ppt/slides/slide6.xml><?xml version="1.0" encoding="utf-8"?>
+<p:sld xmlns:a="http://schemas.openxmlformats.org/drawingml/2006/main" xmlns:r="http://schemas.openxmlformats.org/officeDocument/2006/relationships" xmlns:p="http://schemas.openxmlformats.org/presentationml/2006/main">
+  <p:cSld>
+    <p:spTree>
+      <p:nvGrpSpPr>
+        <p:cNvPr id="1" name=""/>
+        <p:cNvGrpSpPr/>
+        <p:nvPr/>
+      </p:nvGrpSpPr>
+      <p:grpSpPr>
+        <a:xfrm>
+          <a:off x="0" y="0"/>
+          <a:ext cx="0" cy="0"/>
+          <a:chOff x="0" y="0"/>
+          <a:chExt cx="0" cy="0"/>
+        </a:xfrm>
+      </p:grpSpPr>
+      <p:sp>
+        <p:nvSpPr>
+          <p:cNvPr id="5" name="타원 4"/>
+          <p:cNvSpPr/>
+          <p:nvPr/>
+        </p:nvSpPr>
+        <p:spPr>
+          <a:xfrm>
+            <a:off x="1978702" y="2439650"/>
+            <a:ext cx="3582649" cy="2417164"/>
+          </a:xfrm>
+          <a:prstGeom prst="ellipse">
+            <a:avLst/>
+          </a:prstGeom>
+          <a:noFill/>
+          <a:ln w="38100">
+            <a:solidFill>
+              <a:schemeClr val="tx1"/>
+            </a:solidFill>
+          </a:ln>
+        </p:spPr>
+        <p:style>
+          <a:lnRef idx="2">
+            <a:schemeClr val="accent1">
+              <a:shade val="50000"/>
+            </a:schemeClr>
+          </a:lnRef>
+          <a:fillRef idx="1">
+            <a:schemeClr val="accent1"/>
+          </a:fillRef>
+          <a:effectRef idx="0">
+            <a:schemeClr val="accent1"/>
+          </a:effectRef>
+          <a:fontRef idx="minor">
+            <a:schemeClr val="lt1"/>
+          </a:fontRef>
+        </p:style>
+        <p:txBody>
+          <a:bodyPr rtlCol="0" anchor="ctr"/>
+          <a:lstStyle/>
+          <a:p>
+            <a:pPr algn="ctr"/>
+            <a:endParaRPr kumimoji="1" lang="ko-KR" altLang="en-US"/>
+          </a:p>
+        </p:txBody>
+      </p:sp>
+      <p:pic>
+        <p:nvPicPr>
+          <p:cNvPr id="4" name="그림 3"/>
+          <p:cNvPicPr>
+            <a:picLocks noChangeAspect="1"/>
+          </p:cNvPicPr>
+          <p:nvPr/>
+        </p:nvPicPr>
+        <p:blipFill>
+          <a:blip r:embed="rId2">
+            <a:extLst>
+              <a:ext uri="{BEBA8EAE-BF5A-486C-A8C5-ECC9F3942E4B}">
+                <a14:imgProps xmlns:a14="http://schemas.microsoft.com/office/drawing/2010/main">
+                  <a14:imgLayer r:embed="rId3">
+                    <a14:imgEffect>
+                      <a14:backgroundRemoval t="0" b="100000" l="0" r="100000"/>
+                    </a14:imgEffect>
+                  </a14:imgLayer>
+                </a14:imgProps>
+              </a:ext>
+              <a:ext uri="{28A0092B-C50C-407E-A947-70E740481C1C}">
+                <a14:useLocalDpi xmlns:a14="http://schemas.microsoft.com/office/drawing/2010/main" val="0"/>
+              </a:ext>
+            </a:extLst>
+          </a:blip>
+          <a:stretch>
+            <a:fillRect/>
+          </a:stretch>
+        </p:blipFill>
+        <p:spPr>
+          <a:xfrm>
+            <a:off x="2544581" y="2184816"/>
+            <a:ext cx="1664208" cy="1816608"/>
+          </a:xfrm>
+          <a:prstGeom prst="rect">
+            <a:avLst/>
+          </a:prstGeom>
+        </p:spPr>
+      </p:pic>
+      <p:sp>
+        <p:nvSpPr>
+          <p:cNvPr id="6" name="오른쪽 중괄호[R] 5"/>
+          <p:cNvSpPr/>
+          <p:nvPr/>
+        </p:nvSpPr>
+        <p:spPr>
+          <a:xfrm rot="16200000">
+            <a:off x="4482360" y="3053298"/>
+            <a:ext cx="584616" cy="1274164"/>
+          </a:xfrm>
+          <a:prstGeom prst="rightBrace">
+            <a:avLst>
+              <a:gd name="adj1" fmla="val 39102"/>
+              <a:gd name="adj2" fmla="val 58236"/>
+            </a:avLst>
+          </a:prstGeom>
+          <a:ln w="25400">
+            <a:solidFill>
+              <a:schemeClr val="tx1"/>
+            </a:solidFill>
+          </a:ln>
+        </p:spPr>
+        <p:style>
+          <a:lnRef idx="1">
+            <a:schemeClr val="accent1"/>
+          </a:lnRef>
+          <a:fillRef idx="0">
+            <a:schemeClr val="accent1"/>
+          </a:fillRef>
+          <a:effectRef idx="0">
+            <a:schemeClr val="accent1"/>
+          </a:effectRef>
+          <a:fontRef idx="minor">
+            <a:schemeClr val="tx1"/>
+          </a:fontRef>
+        </p:style>
+        <p:txBody>
+          <a:bodyPr rtlCol="0" anchor="ctr"/>
+          <a:lstStyle/>
+          <a:p>
+            <a:pPr algn="ctr"/>
+            <a:endParaRPr kumimoji="1" lang="ko-KR" altLang="en-US"/>
+          </a:p>
+        </p:txBody>
+      </p:sp>
+      <p:sp>
+        <p:nvSpPr>
+          <p:cNvPr id="7" name="TextBox 6"/>
+          <p:cNvSpPr txBox="1"/>
+          <p:nvPr/>
+        </p:nvSpPr>
+        <p:spPr>
+          <a:xfrm>
+            <a:off x="4463860" y="2991265"/>
+            <a:ext cx="692818" cy="369332"/>
+          </a:xfrm>
+          <a:prstGeom prst="rect">
+            <a:avLst/>
+          </a:prstGeom>
+          <a:noFill/>
+        </p:spPr>
+        <p:txBody>
+          <a:bodyPr wrap="none" rtlCol="0">
+            <a:spAutoFit/>
+          </a:bodyPr>
+          <a:lstStyle/>
+          <a:p>
+            <a:r>
+              <a:rPr kumimoji="1" lang="en-US" altLang="ko-KR" dirty="0" smtClean="0"/>
+              <a:t>1.5</a:t>
+            </a:r>
+            <a:r>
+              <a:rPr kumimoji="1" lang="en-US" altLang="ko-KR" dirty="0"/>
+              <a:t>m</a:t>
+            </a:r>
+            <a:endParaRPr kumimoji="1" lang="ko-KR" altLang="en-US" dirty="0"/>
+          </a:p>
+        </p:txBody>
+      </p:sp>
+      <p:grpSp>
+        <p:nvGrpSpPr>
+          <p:cNvPr id="10" name="그룹 9"/>
+          <p:cNvGrpSpPr/>
+          <p:nvPr/>
+        </p:nvGrpSpPr>
+        <p:grpSpPr>
+          <a:xfrm>
+            <a:off x="2880667" y="3175931"/>
+            <a:ext cx="643095" cy="1449543"/>
+            <a:chOff x="5922335" y="1541721"/>
+            <a:chExt cx="643095" cy="1449543"/>
+          </a:xfrm>
+        </p:grpSpPr>
+        <p:sp>
+          <p:nvSpPr>
+            <p:cNvPr id="11" name="지연 10"/>
+            <p:cNvSpPr/>
+            <p:nvPr/>
+          </p:nvSpPr>
+          <p:spPr>
+            <a:xfrm rot="16200000">
+              <a:off x="5737431" y="2266846"/>
+              <a:ext cx="1012901" cy="435935"/>
+            </a:xfrm>
+            <a:prstGeom prst="flowChartDelay">
+              <a:avLst/>
+            </a:prstGeom>
+            <a:solidFill>
+              <a:schemeClr val="accent1">
+                <a:lumMod val="20000"/>
+                <a:lumOff val="80000"/>
+              </a:schemeClr>
+            </a:solidFill>
+          </p:spPr>
+          <p:style>
+            <a:lnRef idx="2">
+              <a:schemeClr val="accent1">
+                <a:shade val="50000"/>
+              </a:schemeClr>
+            </a:lnRef>
+            <a:fillRef idx="1">
+              <a:schemeClr val="accent1"/>
+            </a:fillRef>
+            <a:effectRef idx="0">
+              <a:schemeClr val="accent1"/>
+            </a:effectRef>
+            <a:fontRef idx="minor">
+              <a:schemeClr val="lt1"/>
+            </a:fontRef>
+          </p:style>
+          <p:txBody>
+            <a:bodyPr rtlCol="0" anchor="ctr"/>
+            <a:lstStyle/>
+            <a:p>
+              <a:pPr algn="ctr"/>
+              <a:endParaRPr kumimoji="1" lang="ko-KR" altLang="en-US"/>
+            </a:p>
+          </p:txBody>
+        </p:sp>
+        <p:sp>
+          <p:nvSpPr>
+            <p:cNvPr id="12" name="타원 11"/>
+            <p:cNvSpPr/>
+            <p:nvPr/>
+          </p:nvSpPr>
+          <p:spPr>
+            <a:xfrm>
+              <a:off x="5922335" y="1541721"/>
+              <a:ext cx="643095" cy="643095"/>
+            </a:xfrm>
+            <a:prstGeom prst="ellipse">
+              <a:avLst/>
+            </a:prstGeom>
+            <a:solidFill>
+              <a:schemeClr val="accent1">
+                <a:lumMod val="20000"/>
+                <a:lumOff val="80000"/>
+              </a:schemeClr>
+            </a:solidFill>
+          </p:spPr>
+          <p:style>
+            <a:lnRef idx="2">
+              <a:schemeClr val="accent1">
+                <a:shade val="50000"/>
+              </a:schemeClr>
+            </a:lnRef>
+            <a:fillRef idx="1">
+              <a:schemeClr val="accent1"/>
+            </a:fillRef>
+            <a:effectRef idx="0">
+              <a:schemeClr val="accent1"/>
+            </a:effectRef>
+            <a:fontRef idx="minor">
+              <a:schemeClr val="lt1"/>
+            </a:fontRef>
+          </p:style>
+          <p:txBody>
+            <a:bodyPr rtlCol="0" anchor="ctr"/>
+            <a:lstStyle/>
+            <a:p>
+              <a:pPr algn="ctr"/>
+              <a:endParaRPr kumimoji="1" lang="ko-KR" altLang="en-US" dirty="0"/>
+            </a:p>
+          </p:txBody>
+        </p:sp>
+      </p:grpSp>
+      <p:grpSp>
+        <p:nvGrpSpPr>
+          <p:cNvPr id="13" name="그룹 12"/>
+          <p:cNvGrpSpPr/>
+          <p:nvPr/>
+        </p:nvGrpSpPr>
+        <p:grpSpPr>
+          <a:xfrm>
+            <a:off x="4137586" y="2140602"/>
+            <a:ext cx="643095" cy="1449543"/>
+            <a:chOff x="5922335" y="1541721"/>
+            <a:chExt cx="643095" cy="1449543"/>
+          </a:xfrm>
+        </p:grpSpPr>
+        <p:sp>
+          <p:nvSpPr>
+            <p:cNvPr id="14" name="지연 13"/>
+            <p:cNvSpPr/>
+            <p:nvPr/>
+          </p:nvSpPr>
+          <p:spPr>
+            <a:xfrm rot="16200000">
+              <a:off x="5737431" y="2266846"/>
+              <a:ext cx="1012901" cy="435935"/>
+            </a:xfrm>
+            <a:prstGeom prst="flowChartDelay">
+              <a:avLst/>
+            </a:prstGeom>
+            <a:solidFill>
+              <a:schemeClr val="accent1">
+                <a:lumMod val="20000"/>
+                <a:lumOff val="80000"/>
+              </a:schemeClr>
+            </a:solidFill>
+          </p:spPr>
+          <p:style>
+            <a:lnRef idx="2">
+              <a:schemeClr val="accent1">
+                <a:shade val="50000"/>
+              </a:schemeClr>
+            </a:lnRef>
+            <a:fillRef idx="1">
+              <a:schemeClr val="accent1"/>
+            </a:fillRef>
+            <a:effectRef idx="0">
+              <a:schemeClr val="accent1"/>
+            </a:effectRef>
+            <a:fontRef idx="minor">
+              <a:schemeClr val="lt1"/>
+            </a:fontRef>
+          </p:style>
+          <p:txBody>
+            <a:bodyPr rtlCol="0" anchor="ctr"/>
+            <a:lstStyle/>
+            <a:p>
+              <a:pPr algn="ctr"/>
+              <a:endParaRPr kumimoji="1" lang="ko-KR" altLang="en-US"/>
+            </a:p>
+          </p:txBody>
+        </p:sp>
+        <p:sp>
+          <p:nvSpPr>
+            <p:cNvPr id="15" name="타원 14"/>
+            <p:cNvSpPr/>
+            <p:nvPr/>
+          </p:nvSpPr>
+          <p:spPr>
+            <a:xfrm>
+              <a:off x="5922335" y="1541721"/>
+              <a:ext cx="643095" cy="643095"/>
+            </a:xfrm>
+            <a:prstGeom prst="ellipse">
+              <a:avLst/>
+            </a:prstGeom>
+            <a:solidFill>
+              <a:schemeClr val="accent1">
+                <a:lumMod val="20000"/>
+                <a:lumOff val="80000"/>
+              </a:schemeClr>
+            </a:solidFill>
+          </p:spPr>
+          <p:style>
+            <a:lnRef idx="2">
+              <a:schemeClr val="accent1">
+                <a:shade val="50000"/>
+              </a:schemeClr>
+            </a:lnRef>
+            <a:fillRef idx="1">
+              <a:schemeClr val="accent1"/>
+            </a:fillRef>
+            <a:effectRef idx="0">
+              <a:schemeClr val="accent1"/>
+            </a:effectRef>
+            <a:fontRef idx="minor">
+              <a:schemeClr val="lt1"/>
+            </a:fontRef>
+          </p:style>
+          <p:txBody>
+            <a:bodyPr rtlCol="0" anchor="ctr"/>
+            <a:lstStyle/>
+            <a:p>
+              <a:pPr algn="ctr"/>
+              <a:endParaRPr kumimoji="1" lang="ko-KR" altLang="en-US" dirty="0"/>
+            </a:p>
+          </p:txBody>
+        </p:sp>
+      </p:grpSp>
+      <p:grpSp>
+        <p:nvGrpSpPr>
+          <p:cNvPr id="16" name="그룹 15"/>
+          <p:cNvGrpSpPr/>
+          <p:nvPr/>
+        </p:nvGrpSpPr>
+        <p:grpSpPr>
+          <a:xfrm>
+            <a:off x="3891700" y="3470833"/>
+            <a:ext cx="643095" cy="1449543"/>
+            <a:chOff x="5922335" y="1541721"/>
+            <a:chExt cx="643095" cy="1449543"/>
+          </a:xfrm>
+        </p:grpSpPr>
+        <p:sp>
+          <p:nvSpPr>
+            <p:cNvPr id="17" name="지연 16"/>
+            <p:cNvSpPr/>
+            <p:nvPr/>
+          </p:nvSpPr>
+          <p:spPr>
+            <a:xfrm rot="16200000">
+              <a:off x="5737431" y="2266846"/>
+              <a:ext cx="1012901" cy="435935"/>
+            </a:xfrm>
+            <a:prstGeom prst="flowChartDelay">
+              <a:avLst/>
+            </a:prstGeom>
+            <a:solidFill>
+              <a:schemeClr val="accent1">
+                <a:lumMod val="20000"/>
+                <a:lumOff val="80000"/>
+              </a:schemeClr>
+            </a:solidFill>
+          </p:spPr>
+          <p:style>
+            <a:lnRef idx="2">
+              <a:schemeClr val="accent1">
+                <a:shade val="50000"/>
+              </a:schemeClr>
+            </a:lnRef>
+            <a:fillRef idx="1">
+              <a:schemeClr val="accent1"/>
+            </a:fillRef>
+            <a:effectRef idx="0">
+              <a:schemeClr val="accent1"/>
+            </a:effectRef>
+            <a:fontRef idx="minor">
+              <a:schemeClr val="lt1"/>
+            </a:fontRef>
+          </p:style>
+          <p:txBody>
+            <a:bodyPr rtlCol="0" anchor="ctr"/>
+            <a:lstStyle/>
+            <a:p>
+              <a:pPr algn="ctr"/>
+              <a:endParaRPr kumimoji="1" lang="ko-KR" altLang="en-US"/>
+            </a:p>
+          </p:txBody>
+        </p:sp>
+        <p:sp>
+          <p:nvSpPr>
+            <p:cNvPr id="18" name="타원 17"/>
+            <p:cNvSpPr/>
+            <p:nvPr/>
+          </p:nvSpPr>
+          <p:spPr>
+            <a:xfrm>
+              <a:off x="5922335" y="1541721"/>
+              <a:ext cx="643095" cy="643095"/>
+            </a:xfrm>
+            <a:prstGeom prst="ellipse">
+              <a:avLst/>
+            </a:prstGeom>
+            <a:solidFill>
+              <a:schemeClr val="accent1">
+                <a:lumMod val="20000"/>
+                <a:lumOff val="80000"/>
+              </a:schemeClr>
+            </a:solidFill>
+          </p:spPr>
+          <p:style>
+            <a:lnRef idx="2">
+              <a:schemeClr val="accent1">
+                <a:shade val="50000"/>
+              </a:schemeClr>
+            </a:lnRef>
+            <a:fillRef idx="1">
+              <a:schemeClr val="accent1"/>
+            </a:fillRef>
+            <a:effectRef idx="0">
+              <a:schemeClr val="accent1"/>
+            </a:effectRef>
+            <a:fontRef idx="minor">
+              <a:schemeClr val="lt1"/>
+            </a:fontRef>
+          </p:style>
+          <p:txBody>
+            <a:bodyPr rtlCol="0" anchor="ctr"/>
+            <a:lstStyle/>
+            <a:p>
+              <a:pPr algn="ctr"/>
+              <a:endParaRPr kumimoji="1" lang="ko-KR" altLang="en-US" dirty="0"/>
+            </a:p>
+          </p:txBody>
+        </p:sp>
+      </p:grpSp>
+      <p:grpSp>
+        <p:nvGrpSpPr>
+          <p:cNvPr id="19" name="그룹 18"/>
+          <p:cNvGrpSpPr/>
+          <p:nvPr/>
+        </p:nvGrpSpPr>
+        <p:grpSpPr>
+          <a:xfrm>
+            <a:off x="4746039" y="3064507"/>
+            <a:ext cx="643095" cy="1449543"/>
+            <a:chOff x="5922335" y="1541721"/>
+            <a:chExt cx="643095" cy="1449543"/>
+          </a:xfrm>
+        </p:grpSpPr>
+        <p:sp>
+          <p:nvSpPr>
+            <p:cNvPr id="20" name="지연 19"/>
+            <p:cNvSpPr/>
+            <p:nvPr/>
+          </p:nvSpPr>
+          <p:spPr>
+            <a:xfrm rot="16200000">
+              <a:off x="5737431" y="2266846"/>
+              <a:ext cx="1012901" cy="435935"/>
+            </a:xfrm>
+            <a:prstGeom prst="flowChartDelay">
+              <a:avLst/>
+            </a:prstGeom>
+            <a:solidFill>
+              <a:schemeClr val="accent1">
+                <a:lumMod val="20000"/>
+                <a:lumOff val="80000"/>
+              </a:schemeClr>
+            </a:solidFill>
+          </p:spPr>
+          <p:style>
+            <a:lnRef idx="2">
+              <a:schemeClr val="accent1">
+                <a:shade val="50000"/>
+              </a:schemeClr>
+            </a:lnRef>
+            <a:fillRef idx="1">
+              <a:schemeClr val="accent1"/>
+            </a:fillRef>
+            <a:effectRef idx="0">
+              <a:schemeClr val="accent1"/>
+            </a:effectRef>
+            <a:fontRef idx="minor">
+              <a:schemeClr val="lt1"/>
+            </a:fontRef>
+          </p:style>
+          <p:txBody>
+            <a:bodyPr rtlCol="0" anchor="ctr"/>
+            <a:lstStyle/>
+            <a:p>
+              <a:pPr algn="ctr"/>
+              <a:endParaRPr kumimoji="1" lang="ko-KR" altLang="en-US"/>
+            </a:p>
+          </p:txBody>
+        </p:sp>
+        <p:sp>
+          <p:nvSpPr>
+            <p:cNvPr id="21" name="타원 20"/>
+            <p:cNvSpPr/>
+            <p:nvPr/>
+          </p:nvSpPr>
+          <p:spPr>
+            <a:xfrm>
+              <a:off x="5922335" y="1541721"/>
+              <a:ext cx="643095" cy="643095"/>
+            </a:xfrm>
+            <a:prstGeom prst="ellipse">
+              <a:avLst/>
+            </a:prstGeom>
+            <a:solidFill>
+              <a:schemeClr val="accent1">
+                <a:lumMod val="20000"/>
+                <a:lumOff val="80000"/>
+              </a:schemeClr>
+            </a:solidFill>
+          </p:spPr>
+          <p:style>
+            <a:lnRef idx="2">
+              <a:schemeClr val="accent1">
+                <a:shade val="50000"/>
+              </a:schemeClr>
+            </a:lnRef>
+            <a:fillRef idx="1">
+              <a:schemeClr val="accent1"/>
+            </a:fillRef>
+            <a:effectRef idx="0">
+              <a:schemeClr val="accent1"/>
+            </a:effectRef>
+            <a:fontRef idx="minor">
+              <a:schemeClr val="lt1"/>
+            </a:fontRef>
+          </p:style>
+          <p:txBody>
+            <a:bodyPr rtlCol="0" anchor="ctr"/>
+            <a:lstStyle/>
+            <a:p>
+              <a:pPr algn="ctr"/>
+              <a:endParaRPr kumimoji="1" lang="ko-KR" altLang="en-US" dirty="0"/>
+            </a:p>
+          </p:txBody>
+        </p:sp>
+      </p:grpSp>
+      <p:grpSp>
+        <p:nvGrpSpPr>
+          <p:cNvPr id="22" name="그룹 21"/>
+          <p:cNvGrpSpPr/>
+          <p:nvPr/>
+        </p:nvGrpSpPr>
+        <p:grpSpPr>
+          <a:xfrm>
+            <a:off x="4747229" y="4001424"/>
+            <a:ext cx="643095" cy="1449543"/>
+            <a:chOff x="5922335" y="1541721"/>
+            <a:chExt cx="643095" cy="1449543"/>
+          </a:xfrm>
+        </p:grpSpPr>
+        <p:sp>
+          <p:nvSpPr>
+            <p:cNvPr id="23" name="지연 22"/>
+            <p:cNvSpPr/>
+            <p:nvPr/>
+          </p:nvSpPr>
+          <p:spPr>
+            <a:xfrm rot="16200000">
+              <a:off x="5737431" y="2266846"/>
+              <a:ext cx="1012901" cy="435935"/>
+            </a:xfrm>
+            <a:prstGeom prst="flowChartDelay">
+              <a:avLst/>
+            </a:prstGeom>
+            <a:solidFill>
+              <a:schemeClr val="accent1">
+                <a:lumMod val="20000"/>
+                <a:lumOff val="80000"/>
+              </a:schemeClr>
+            </a:solidFill>
+          </p:spPr>
+          <p:style>
+            <a:lnRef idx="2">
+              <a:schemeClr val="accent1">
+                <a:shade val="50000"/>
+              </a:schemeClr>
+            </a:lnRef>
+            <a:fillRef idx="1">
+              <a:schemeClr val="accent1"/>
+            </a:fillRef>
+            <a:effectRef idx="0">
+              <a:schemeClr val="accent1"/>
+            </a:effectRef>
+            <a:fontRef idx="minor">
+              <a:schemeClr val="lt1"/>
+            </a:fontRef>
+          </p:style>
+          <p:txBody>
+            <a:bodyPr rtlCol="0" anchor="ctr"/>
+            <a:lstStyle/>
+            <a:p>
+              <a:pPr algn="ctr"/>
+              <a:endParaRPr kumimoji="1" lang="ko-KR" altLang="en-US"/>
+            </a:p>
+          </p:txBody>
+        </p:sp>
+        <p:sp>
+          <p:nvSpPr>
+            <p:cNvPr id="24" name="타원 23"/>
+            <p:cNvSpPr/>
+            <p:nvPr/>
+          </p:nvSpPr>
+          <p:spPr>
+            <a:xfrm>
+              <a:off x="5922335" y="1541721"/>
+              <a:ext cx="643095" cy="643095"/>
+            </a:xfrm>
+            <a:prstGeom prst="ellipse">
+              <a:avLst/>
+            </a:prstGeom>
+            <a:solidFill>
+              <a:schemeClr val="accent1">
+                <a:lumMod val="20000"/>
+                <a:lumOff val="80000"/>
+              </a:schemeClr>
+            </a:solidFill>
+          </p:spPr>
+          <p:style>
+            <a:lnRef idx="2">
+              <a:schemeClr val="accent1">
+                <a:shade val="50000"/>
+              </a:schemeClr>
+            </a:lnRef>
+            <a:fillRef idx="1">
+              <a:schemeClr val="accent1"/>
+            </a:fillRef>
+            <a:effectRef idx="0">
+              <a:schemeClr val="accent1"/>
+            </a:effectRef>
+            <a:fontRef idx="minor">
+              <a:schemeClr val="lt1"/>
+            </a:fontRef>
+          </p:style>
+          <p:txBody>
+            <a:bodyPr rtlCol="0" anchor="ctr"/>
+            <a:lstStyle/>
+            <a:p>
+              <a:pPr algn="ctr"/>
+              <a:endParaRPr kumimoji="1" lang="ko-KR" altLang="en-US" dirty="0"/>
+            </a:p>
+          </p:txBody>
+        </p:sp>
+      </p:grpSp>
+      <p:grpSp>
+        <p:nvGrpSpPr>
+          <p:cNvPr id="25" name="그룹 24"/>
+          <p:cNvGrpSpPr/>
+          <p:nvPr/>
+        </p:nvGrpSpPr>
+        <p:grpSpPr>
+          <a:xfrm>
+            <a:off x="2979943" y="3907474"/>
+            <a:ext cx="643095" cy="1449543"/>
+            <a:chOff x="5922335" y="1541721"/>
+            <a:chExt cx="643095" cy="1449543"/>
+          </a:xfrm>
+        </p:grpSpPr>
+        <p:sp>
+          <p:nvSpPr>
+            <p:cNvPr id="26" name="지연 25"/>
+            <p:cNvSpPr/>
+            <p:nvPr/>
+          </p:nvSpPr>
+          <p:spPr>
+            <a:xfrm rot="16200000">
+              <a:off x="5737431" y="2266846"/>
+              <a:ext cx="1012901" cy="435935"/>
+            </a:xfrm>
+            <a:prstGeom prst="flowChartDelay">
+              <a:avLst/>
+            </a:prstGeom>
+            <a:solidFill>
+              <a:schemeClr val="accent1">
+                <a:lumMod val="20000"/>
+                <a:lumOff val="80000"/>
+              </a:schemeClr>
+            </a:solidFill>
+          </p:spPr>
+          <p:style>
+            <a:lnRef idx="2">
+              <a:schemeClr val="accent1">
+                <a:shade val="50000"/>
+              </a:schemeClr>
+            </a:lnRef>
+            <a:fillRef idx="1">
+              <a:schemeClr val="accent1"/>
+            </a:fillRef>
+            <a:effectRef idx="0">
+              <a:schemeClr val="accent1"/>
+            </a:effectRef>
+            <a:fontRef idx="minor">
+              <a:schemeClr val="lt1"/>
+            </a:fontRef>
+          </p:style>
+          <p:txBody>
+            <a:bodyPr rtlCol="0" anchor="ctr"/>
+            <a:lstStyle/>
+            <a:p>
+              <a:pPr algn="ctr"/>
+              <a:endParaRPr kumimoji="1" lang="ko-KR" altLang="en-US"/>
+            </a:p>
+          </p:txBody>
+        </p:sp>
+        <p:sp>
+          <p:nvSpPr>
+            <p:cNvPr id="27" name="타원 26"/>
+            <p:cNvSpPr/>
+            <p:nvPr/>
+          </p:nvSpPr>
+          <p:spPr>
+            <a:xfrm>
+              <a:off x="5922335" y="1541721"/>
+              <a:ext cx="643095" cy="643095"/>
+            </a:xfrm>
+            <a:prstGeom prst="ellipse">
+              <a:avLst/>
+            </a:prstGeom>
+            <a:solidFill>
+              <a:schemeClr val="accent1">
+                <a:lumMod val="20000"/>
+                <a:lumOff val="80000"/>
+              </a:schemeClr>
+            </a:solidFill>
+          </p:spPr>
+          <p:style>
+            <a:lnRef idx="2">
+              <a:schemeClr val="accent1">
+                <a:shade val="50000"/>
+              </a:schemeClr>
+            </a:lnRef>
+            <a:fillRef idx="1">
+              <a:schemeClr val="accent1"/>
+            </a:fillRef>
+            <a:effectRef idx="0">
+              <a:schemeClr val="accent1"/>
+            </a:effectRef>
+            <a:fontRef idx="minor">
+              <a:schemeClr val="lt1"/>
+            </a:fontRef>
+          </p:style>
+          <p:txBody>
+            <a:bodyPr rtlCol="0" anchor="ctr"/>
+            <a:lstStyle/>
+            <a:p>
+              <a:pPr algn="ctr"/>
+              <a:endParaRPr kumimoji="1" lang="ko-KR" altLang="en-US" dirty="0"/>
+            </a:p>
+          </p:txBody>
+        </p:sp>
+      </p:grpSp>
+      <p:grpSp>
+        <p:nvGrpSpPr>
+          <p:cNvPr id="28" name="그룹 27"/>
+          <p:cNvGrpSpPr/>
+          <p:nvPr/>
+        </p:nvGrpSpPr>
+        <p:grpSpPr>
+          <a:xfrm>
+            <a:off x="1937742" y="3407271"/>
+            <a:ext cx="643095" cy="1449543"/>
+            <a:chOff x="5922335" y="1541721"/>
+            <a:chExt cx="643095" cy="1449543"/>
+          </a:xfrm>
+        </p:grpSpPr>
+        <p:sp>
+          <p:nvSpPr>
+            <p:cNvPr id="29" name="지연 28"/>
+            <p:cNvSpPr/>
+            <p:nvPr/>
+          </p:nvSpPr>
+          <p:spPr>
+            <a:xfrm rot="16200000">
+              <a:off x="5737431" y="2266846"/>
+              <a:ext cx="1012901" cy="435935"/>
+            </a:xfrm>
+            <a:prstGeom prst="flowChartDelay">
+              <a:avLst/>
+            </a:prstGeom>
+            <a:solidFill>
+              <a:schemeClr val="accent1">
+                <a:lumMod val="20000"/>
+                <a:lumOff val="80000"/>
+              </a:schemeClr>
+            </a:solidFill>
+          </p:spPr>
+          <p:style>
+            <a:lnRef idx="2">
+              <a:schemeClr val="accent1">
+                <a:shade val="50000"/>
+              </a:schemeClr>
+            </a:lnRef>
+            <a:fillRef idx="1">
+              <a:schemeClr val="accent1"/>
+            </a:fillRef>
+            <a:effectRef idx="0">
+              <a:schemeClr val="accent1"/>
+            </a:effectRef>
+            <a:fontRef idx="minor">
+              <a:schemeClr val="lt1"/>
+            </a:fontRef>
+          </p:style>
+          <p:txBody>
+            <a:bodyPr rtlCol="0" anchor="ctr"/>
+            <a:lstStyle/>
+            <a:p>
+              <a:pPr algn="ctr"/>
+              <a:endParaRPr kumimoji="1" lang="ko-KR" altLang="en-US"/>
+            </a:p>
+          </p:txBody>
+        </p:sp>
+        <p:sp>
+          <p:nvSpPr>
+            <p:cNvPr id="30" name="타원 29"/>
+            <p:cNvSpPr/>
+            <p:nvPr/>
+          </p:nvSpPr>
+          <p:spPr>
+            <a:xfrm>
+              <a:off x="5922335" y="1541721"/>
+              <a:ext cx="643095" cy="643095"/>
+            </a:xfrm>
+            <a:prstGeom prst="ellipse">
+              <a:avLst/>
+            </a:prstGeom>
+            <a:solidFill>
+              <a:schemeClr val="accent1">
+                <a:lumMod val="20000"/>
+                <a:lumOff val="80000"/>
+              </a:schemeClr>
+            </a:solidFill>
+          </p:spPr>
+          <p:style>
+            <a:lnRef idx="2">
+              <a:schemeClr val="accent1">
+                <a:shade val="50000"/>
+              </a:schemeClr>
+            </a:lnRef>
+            <a:fillRef idx="1">
+              <a:schemeClr val="accent1"/>
+            </a:fillRef>
+            <a:effectRef idx="0">
+              <a:schemeClr val="accent1"/>
+            </a:effectRef>
+            <a:fontRef idx="minor">
+              <a:schemeClr val="lt1"/>
+            </a:fontRef>
+          </p:style>
+          <p:txBody>
+            <a:bodyPr rtlCol="0" anchor="ctr"/>
+            <a:lstStyle/>
+            <a:p>
+              <a:pPr algn="ctr"/>
+              <a:endParaRPr kumimoji="1" lang="ko-KR" altLang="en-US" dirty="0"/>
+            </a:p>
+          </p:txBody>
+        </p:sp>
+      </p:grpSp>
+      <p:grpSp>
+        <p:nvGrpSpPr>
+          <p:cNvPr id="31" name="그룹 30"/>
+          <p:cNvGrpSpPr/>
+          <p:nvPr/>
+        </p:nvGrpSpPr>
+        <p:grpSpPr>
+          <a:xfrm>
+            <a:off x="1954632" y="2227239"/>
+            <a:ext cx="643095" cy="1449543"/>
+            <a:chOff x="5922335" y="1541721"/>
+            <a:chExt cx="643095" cy="1449543"/>
+          </a:xfrm>
+        </p:grpSpPr>
+        <p:sp>
+          <p:nvSpPr>
+            <p:cNvPr id="32" name="지연 31"/>
+            <p:cNvSpPr/>
+            <p:nvPr/>
+          </p:nvSpPr>
+          <p:spPr>
+            <a:xfrm rot="16200000">
+              <a:off x="5737431" y="2266846"/>
+              <a:ext cx="1012901" cy="435935"/>
+            </a:xfrm>
+            <a:prstGeom prst="flowChartDelay">
+              <a:avLst/>
+            </a:prstGeom>
+            <a:solidFill>
+              <a:schemeClr val="accent1">
+                <a:lumMod val="20000"/>
+                <a:lumOff val="80000"/>
+              </a:schemeClr>
+            </a:solidFill>
+          </p:spPr>
+          <p:style>
+            <a:lnRef idx="2">
+              <a:schemeClr val="accent1">
+                <a:shade val="50000"/>
+              </a:schemeClr>
+            </a:lnRef>
+            <a:fillRef idx="1">
+              <a:schemeClr val="accent1"/>
+            </a:fillRef>
+            <a:effectRef idx="0">
+              <a:schemeClr val="accent1"/>
+            </a:effectRef>
+            <a:fontRef idx="minor">
+              <a:schemeClr val="lt1"/>
+            </a:fontRef>
+          </p:style>
+          <p:txBody>
+            <a:bodyPr rtlCol="0" anchor="ctr"/>
+            <a:lstStyle/>
+            <a:p>
+              <a:pPr algn="ctr"/>
+              <a:endParaRPr kumimoji="1" lang="ko-KR" altLang="en-US"/>
+            </a:p>
+          </p:txBody>
+        </p:sp>
+        <p:sp>
+          <p:nvSpPr>
+            <p:cNvPr id="33" name="타원 32"/>
+            <p:cNvSpPr/>
+            <p:nvPr/>
+          </p:nvSpPr>
+          <p:spPr>
+            <a:xfrm>
+              <a:off x="5922335" y="1541721"/>
+              <a:ext cx="643095" cy="643095"/>
+            </a:xfrm>
+            <a:prstGeom prst="ellipse">
+              <a:avLst/>
+            </a:prstGeom>
+            <a:solidFill>
+              <a:schemeClr val="accent1">
+                <a:lumMod val="20000"/>
+                <a:lumOff val="80000"/>
+              </a:schemeClr>
+            </a:solidFill>
+          </p:spPr>
+          <p:style>
+            <a:lnRef idx="2">
+              <a:schemeClr val="accent1">
+                <a:shade val="50000"/>
+              </a:schemeClr>
+            </a:lnRef>
+            <a:fillRef idx="1">
+              <a:schemeClr val="accent1"/>
+            </a:fillRef>
+            <a:effectRef idx="0">
+              <a:schemeClr val="accent1"/>
+            </a:effectRef>
+            <a:fontRef idx="minor">
+              <a:schemeClr val="lt1"/>
+            </a:fontRef>
+          </p:style>
+          <p:txBody>
+            <a:bodyPr rtlCol="0" anchor="ctr"/>
+            <a:lstStyle/>
+            <a:p>
+              <a:pPr algn="ctr"/>
+              <a:endParaRPr kumimoji="1" lang="ko-KR" altLang="en-US" dirty="0"/>
+            </a:p>
+          </p:txBody>
+        </p:sp>
+      </p:grpSp>
+      <p:grpSp>
+        <p:nvGrpSpPr>
+          <p:cNvPr id="34" name="그룹 33"/>
+          <p:cNvGrpSpPr/>
+          <p:nvPr/>
+        </p:nvGrpSpPr>
+        <p:grpSpPr>
+          <a:xfrm>
+            <a:off x="2744363" y="1700705"/>
+            <a:ext cx="643095" cy="1449543"/>
+            <a:chOff x="5922335" y="1541721"/>
+            <a:chExt cx="643095" cy="1449543"/>
+          </a:xfrm>
+        </p:grpSpPr>
+        <p:sp>
+          <p:nvSpPr>
+            <p:cNvPr id="35" name="지연 34"/>
+            <p:cNvSpPr/>
+            <p:nvPr/>
+          </p:nvSpPr>
+          <p:spPr>
+            <a:xfrm rot="16200000">
+              <a:off x="5737431" y="2266846"/>
+              <a:ext cx="1012901" cy="435935"/>
+            </a:xfrm>
+            <a:prstGeom prst="flowChartDelay">
+              <a:avLst/>
+            </a:prstGeom>
+            <a:solidFill>
+              <a:schemeClr val="accent1">
+                <a:lumMod val="20000"/>
+                <a:lumOff val="80000"/>
+              </a:schemeClr>
+            </a:solidFill>
+          </p:spPr>
+          <p:style>
+            <a:lnRef idx="2">
+              <a:schemeClr val="accent1">
+                <a:shade val="50000"/>
+              </a:schemeClr>
+            </a:lnRef>
+            <a:fillRef idx="1">
+              <a:schemeClr val="accent1"/>
+            </a:fillRef>
+            <a:effectRef idx="0">
+              <a:schemeClr val="accent1"/>
+            </a:effectRef>
+            <a:fontRef idx="minor">
+              <a:schemeClr val="lt1"/>
+            </a:fontRef>
+          </p:style>
+          <p:txBody>
+            <a:bodyPr rtlCol="0" anchor="ctr"/>
+            <a:lstStyle/>
+            <a:p>
+              <a:pPr algn="ctr"/>
+              <a:endParaRPr kumimoji="1" lang="ko-KR" altLang="en-US"/>
+            </a:p>
+          </p:txBody>
+        </p:sp>
+        <p:sp>
+          <p:nvSpPr>
+            <p:cNvPr id="36" name="타원 35"/>
+            <p:cNvSpPr/>
+            <p:nvPr/>
+          </p:nvSpPr>
+          <p:spPr>
+            <a:xfrm>
+              <a:off x="5922335" y="1541721"/>
+              <a:ext cx="643095" cy="643095"/>
+            </a:xfrm>
+            <a:prstGeom prst="ellipse">
+              <a:avLst/>
+            </a:prstGeom>
+            <a:solidFill>
+              <a:schemeClr val="accent1">
+                <a:lumMod val="20000"/>
+                <a:lumOff val="80000"/>
+              </a:schemeClr>
+            </a:solidFill>
+          </p:spPr>
+          <p:style>
+            <a:lnRef idx="2">
+              <a:schemeClr val="accent1">
+                <a:shade val="50000"/>
+              </a:schemeClr>
+            </a:lnRef>
+            <a:fillRef idx="1">
+              <a:schemeClr val="accent1"/>
+            </a:fillRef>
+            <a:effectRef idx="0">
+              <a:schemeClr val="accent1"/>
+            </a:effectRef>
+            <a:fontRef idx="minor">
+              <a:schemeClr val="lt1"/>
+            </a:fontRef>
+          </p:style>
+          <p:txBody>
+            <a:bodyPr rtlCol="0" anchor="ctr"/>
+            <a:lstStyle/>
+            <a:p>
+              <a:pPr algn="ctr"/>
+              <a:endParaRPr kumimoji="1" lang="ko-KR" altLang="en-US" dirty="0"/>
+            </a:p>
+          </p:txBody>
+        </p:sp>
+      </p:grpSp>
+      <p:grpSp>
+        <p:nvGrpSpPr>
+          <p:cNvPr id="37" name="그룹 36"/>
+          <p:cNvGrpSpPr/>
+          <p:nvPr/>
+        </p:nvGrpSpPr>
+        <p:grpSpPr>
+          <a:xfrm>
+            <a:off x="3783662" y="1465858"/>
+            <a:ext cx="643095" cy="1449543"/>
+            <a:chOff x="5922335" y="1541721"/>
+            <a:chExt cx="643095" cy="1449543"/>
+          </a:xfrm>
+        </p:grpSpPr>
+        <p:sp>
+          <p:nvSpPr>
+            <p:cNvPr id="38" name="지연 37"/>
+            <p:cNvSpPr/>
+            <p:nvPr/>
+          </p:nvSpPr>
+          <p:spPr>
+            <a:xfrm rot="16200000">
+              <a:off x="5737431" y="2266846"/>
+              <a:ext cx="1012901" cy="435935"/>
+            </a:xfrm>
+            <a:prstGeom prst="flowChartDelay">
+              <a:avLst/>
+            </a:prstGeom>
+            <a:solidFill>
+              <a:schemeClr val="accent1">
+                <a:lumMod val="20000"/>
+                <a:lumOff val="80000"/>
+              </a:schemeClr>
+            </a:solidFill>
+          </p:spPr>
+          <p:style>
+            <a:lnRef idx="2">
+              <a:schemeClr val="accent1">
+                <a:shade val="50000"/>
+              </a:schemeClr>
+            </a:lnRef>
+            <a:fillRef idx="1">
+              <a:schemeClr val="accent1"/>
+            </a:fillRef>
+            <a:effectRef idx="0">
+              <a:schemeClr val="accent1"/>
+            </a:effectRef>
+            <a:fontRef idx="minor">
+              <a:schemeClr val="lt1"/>
+            </a:fontRef>
+          </p:style>
+          <p:txBody>
+            <a:bodyPr rtlCol="0" anchor="ctr"/>
+            <a:lstStyle/>
+            <a:p>
+              <a:pPr algn="ctr"/>
+              <a:endParaRPr kumimoji="1" lang="ko-KR" altLang="en-US"/>
+            </a:p>
+          </p:txBody>
+        </p:sp>
+        <p:sp>
+          <p:nvSpPr>
+            <p:cNvPr id="39" name="타원 38"/>
+            <p:cNvSpPr/>
+            <p:nvPr/>
+          </p:nvSpPr>
+          <p:spPr>
+            <a:xfrm>
+              <a:off x="5922335" y="1541721"/>
+              <a:ext cx="643095" cy="643095"/>
+            </a:xfrm>
+            <a:prstGeom prst="ellipse">
+              <a:avLst/>
+            </a:prstGeom>
+            <a:solidFill>
+              <a:schemeClr val="accent1">
+                <a:lumMod val="20000"/>
+                <a:lumOff val="80000"/>
+              </a:schemeClr>
+            </a:solidFill>
+          </p:spPr>
+          <p:style>
+            <a:lnRef idx="2">
+              <a:schemeClr val="accent1">
+                <a:shade val="50000"/>
+              </a:schemeClr>
+            </a:lnRef>
+            <a:fillRef idx="1">
+              <a:schemeClr val="accent1"/>
+            </a:fillRef>
+            <a:effectRef idx="0">
+              <a:schemeClr val="accent1"/>
+            </a:effectRef>
+            <a:fontRef idx="minor">
+              <a:schemeClr val="lt1"/>
+            </a:fontRef>
+          </p:style>
+          <p:txBody>
+            <a:bodyPr rtlCol="0" anchor="ctr"/>
+            <a:lstStyle/>
+            <a:p>
+              <a:pPr algn="ctr"/>
+              <a:endParaRPr kumimoji="1" lang="ko-KR" altLang="en-US" dirty="0"/>
+            </a:p>
+          </p:txBody>
+        </p:sp>
+      </p:grpSp>
+      <p:grpSp>
+        <p:nvGrpSpPr>
+          <p:cNvPr id="40" name="그룹 39"/>
+          <p:cNvGrpSpPr/>
+          <p:nvPr/>
+        </p:nvGrpSpPr>
+        <p:grpSpPr>
+          <a:xfrm>
+            <a:off x="1397762" y="2907347"/>
+            <a:ext cx="643095" cy="1449543"/>
+            <a:chOff x="5922335" y="1541721"/>
+            <a:chExt cx="643095" cy="1449543"/>
+          </a:xfrm>
+        </p:grpSpPr>
+        <p:sp>
+          <p:nvSpPr>
+            <p:cNvPr id="41" name="지연 40"/>
+            <p:cNvSpPr/>
+            <p:nvPr/>
+          </p:nvSpPr>
+          <p:spPr>
+            <a:xfrm rot="16200000">
+              <a:off x="5737431" y="2266846"/>
+              <a:ext cx="1012901" cy="435935"/>
+            </a:xfrm>
+            <a:prstGeom prst="flowChartDelay">
+              <a:avLst/>
+            </a:prstGeom>
+            <a:solidFill>
+              <a:schemeClr val="accent1">
+                <a:lumMod val="20000"/>
+                <a:lumOff val="80000"/>
+              </a:schemeClr>
+            </a:solidFill>
+          </p:spPr>
+          <p:style>
+            <a:lnRef idx="2">
+              <a:schemeClr val="accent1">
+                <a:shade val="50000"/>
+              </a:schemeClr>
+            </a:lnRef>
+            <a:fillRef idx="1">
+              <a:schemeClr val="accent1"/>
+            </a:fillRef>
+            <a:effectRef idx="0">
+              <a:schemeClr val="accent1"/>
+            </a:effectRef>
+            <a:fontRef idx="minor">
+              <a:schemeClr val="lt1"/>
+            </a:fontRef>
+          </p:style>
+          <p:txBody>
+            <a:bodyPr rtlCol="0" anchor="ctr"/>
+            <a:lstStyle/>
+            <a:p>
+              <a:pPr algn="ctr"/>
+              <a:endParaRPr kumimoji="1" lang="ko-KR" altLang="en-US"/>
+            </a:p>
+          </p:txBody>
+        </p:sp>
+        <p:sp>
+          <p:nvSpPr>
+            <p:cNvPr id="42" name="타원 41"/>
+            <p:cNvSpPr/>
+            <p:nvPr/>
+          </p:nvSpPr>
+          <p:spPr>
+            <a:xfrm>
+              <a:off x="5922335" y="1541721"/>
+              <a:ext cx="643095" cy="643095"/>
+            </a:xfrm>
+            <a:prstGeom prst="ellipse">
+              <a:avLst/>
+            </a:prstGeom>
+            <a:solidFill>
+              <a:schemeClr val="accent1">
+                <a:lumMod val="20000"/>
+                <a:lumOff val="80000"/>
+              </a:schemeClr>
+            </a:solidFill>
+          </p:spPr>
+          <p:style>
+            <a:lnRef idx="2">
+              <a:schemeClr val="accent1">
+                <a:shade val="50000"/>
+              </a:schemeClr>
+            </a:lnRef>
+            <a:fillRef idx="1">
+              <a:schemeClr val="accent1"/>
+            </a:fillRef>
+            <a:effectRef idx="0">
+              <a:schemeClr val="accent1"/>
+            </a:effectRef>
+            <a:fontRef idx="minor">
+              <a:schemeClr val="lt1"/>
+            </a:fontRef>
+          </p:style>
+          <p:txBody>
+            <a:bodyPr rtlCol="0" anchor="ctr"/>
+            <a:lstStyle/>
+            <a:p>
+              <a:pPr algn="ctr"/>
+              <a:endParaRPr kumimoji="1" lang="ko-KR" altLang="en-US" dirty="0"/>
+            </a:p>
+          </p:txBody>
+        </p:sp>
+      </p:grpSp>
+      <p:grpSp>
+        <p:nvGrpSpPr>
+          <p:cNvPr id="43" name="그룹 42"/>
+          <p:cNvGrpSpPr/>
+          <p:nvPr/>
+        </p:nvGrpSpPr>
+        <p:grpSpPr>
+          <a:xfrm>
+            <a:off x="5057825" y="2198689"/>
+            <a:ext cx="643095" cy="1449543"/>
+            <a:chOff x="5922335" y="1541721"/>
+            <a:chExt cx="643095" cy="1449543"/>
+          </a:xfrm>
+        </p:grpSpPr>
+        <p:sp>
+          <p:nvSpPr>
+            <p:cNvPr id="44" name="지연 43"/>
+            <p:cNvSpPr/>
+            <p:nvPr/>
+          </p:nvSpPr>
+          <p:spPr>
+            <a:xfrm rot="16200000">
+              <a:off x="5737431" y="2266846"/>
+              <a:ext cx="1012901" cy="435935"/>
+            </a:xfrm>
+            <a:prstGeom prst="flowChartDelay">
+              <a:avLst/>
+            </a:prstGeom>
+            <a:solidFill>
+              <a:schemeClr val="accent1">
+                <a:lumMod val="20000"/>
+                <a:lumOff val="80000"/>
+              </a:schemeClr>
+            </a:solidFill>
+          </p:spPr>
+          <p:style>
+            <a:lnRef idx="2">
+              <a:schemeClr val="accent1">
+                <a:shade val="50000"/>
+              </a:schemeClr>
+            </a:lnRef>
+            <a:fillRef idx="1">
+              <a:schemeClr val="accent1"/>
+            </a:fillRef>
+            <a:effectRef idx="0">
+              <a:schemeClr val="accent1"/>
+            </a:effectRef>
+            <a:fontRef idx="minor">
+              <a:schemeClr val="lt1"/>
+            </a:fontRef>
+          </p:style>
+          <p:txBody>
+            <a:bodyPr rtlCol="0" anchor="ctr"/>
+            <a:lstStyle/>
+            <a:p>
+              <a:pPr algn="ctr"/>
+              <a:endParaRPr kumimoji="1" lang="ko-KR" altLang="en-US"/>
+            </a:p>
+          </p:txBody>
+        </p:sp>
+        <p:sp>
+          <p:nvSpPr>
+            <p:cNvPr id="45" name="타원 44"/>
+            <p:cNvSpPr/>
+            <p:nvPr/>
+          </p:nvSpPr>
+          <p:spPr>
+            <a:xfrm>
+              <a:off x="5922335" y="1541721"/>
+              <a:ext cx="643095" cy="643095"/>
+            </a:xfrm>
+            <a:prstGeom prst="ellipse">
+              <a:avLst/>
+            </a:prstGeom>
+            <a:solidFill>
+              <a:schemeClr val="accent1">
+                <a:lumMod val="20000"/>
+                <a:lumOff val="80000"/>
+              </a:schemeClr>
+            </a:solidFill>
+          </p:spPr>
+          <p:style>
+            <a:lnRef idx="2">
+              <a:schemeClr val="accent1">
+                <a:shade val="50000"/>
+              </a:schemeClr>
+            </a:lnRef>
+            <a:fillRef idx="1">
+              <a:schemeClr val="accent1"/>
+            </a:fillRef>
+            <a:effectRef idx="0">
+              <a:schemeClr val="accent1"/>
+            </a:effectRef>
+            <a:fontRef idx="minor">
+              <a:schemeClr val="lt1"/>
+            </a:fontRef>
+          </p:style>
+          <p:txBody>
+            <a:bodyPr rtlCol="0" anchor="ctr"/>
+            <a:lstStyle/>
+            <a:p>
+              <a:pPr algn="ctr"/>
+              <a:endParaRPr kumimoji="1" lang="ko-KR" altLang="en-US" dirty="0"/>
+            </a:p>
+          </p:txBody>
+        </p:sp>
+      </p:grpSp>
+      <p:grpSp>
+        <p:nvGrpSpPr>
+          <p:cNvPr id="9" name="그룹 8"/>
+          <p:cNvGrpSpPr/>
+          <p:nvPr/>
+        </p:nvGrpSpPr>
+        <p:grpSpPr>
+          <a:xfrm>
+            <a:off x="2463476" y="2635825"/>
+            <a:ext cx="643095" cy="1449543"/>
+            <a:chOff x="5922335" y="1541721"/>
+            <a:chExt cx="643095" cy="1449543"/>
+          </a:xfrm>
+        </p:grpSpPr>
+        <p:sp>
+          <p:nvSpPr>
+            <p:cNvPr id="3" name="지연 2"/>
+            <p:cNvSpPr/>
+            <p:nvPr/>
+          </p:nvSpPr>
+          <p:spPr>
+            <a:xfrm rot="16200000">
+              <a:off x="5737431" y="2266846"/>
+              <a:ext cx="1012901" cy="435935"/>
+            </a:xfrm>
+            <a:prstGeom prst="flowChartDelay">
+              <a:avLst/>
+            </a:prstGeom>
+            <a:solidFill>
+              <a:schemeClr val="accent4">
+                <a:lumMod val="20000"/>
+                <a:lumOff val="80000"/>
+              </a:schemeClr>
+            </a:solidFill>
+          </p:spPr>
+          <p:style>
+            <a:lnRef idx="2">
+              <a:schemeClr val="accent1">
+                <a:shade val="50000"/>
+              </a:schemeClr>
+            </a:lnRef>
+            <a:fillRef idx="1">
+              <a:schemeClr val="accent1"/>
+            </a:fillRef>
+            <a:effectRef idx="0">
+              <a:schemeClr val="accent1"/>
+            </a:effectRef>
+            <a:fontRef idx="minor">
+              <a:schemeClr val="lt1"/>
+            </a:fontRef>
+          </p:style>
+          <p:txBody>
+            <a:bodyPr rtlCol="0" anchor="ctr"/>
+            <a:lstStyle/>
+            <a:p>
+              <a:pPr algn="ctr"/>
+              <a:endParaRPr kumimoji="1" lang="ko-KR" altLang="en-US"/>
+            </a:p>
+          </p:txBody>
+        </p:sp>
+        <p:sp>
+          <p:nvSpPr>
+            <p:cNvPr id="2" name="타원 1"/>
+            <p:cNvSpPr/>
+            <p:nvPr/>
+          </p:nvSpPr>
+          <p:spPr>
+            <a:xfrm>
+              <a:off x="5922335" y="1541721"/>
+              <a:ext cx="643095" cy="643095"/>
+            </a:xfrm>
+            <a:prstGeom prst="ellipse">
+              <a:avLst/>
+            </a:prstGeom>
+            <a:solidFill>
+              <a:schemeClr val="accent4">
+                <a:lumMod val="20000"/>
+                <a:lumOff val="80000"/>
+              </a:schemeClr>
+            </a:solidFill>
+          </p:spPr>
+          <p:style>
+            <a:lnRef idx="2">
+              <a:schemeClr val="accent1">
+                <a:shade val="50000"/>
+              </a:schemeClr>
+            </a:lnRef>
+            <a:fillRef idx="1">
+              <a:schemeClr val="accent1"/>
+            </a:fillRef>
+            <a:effectRef idx="0">
+              <a:schemeClr val="accent1"/>
+            </a:effectRef>
+            <a:fontRef idx="minor">
+              <a:schemeClr val="lt1"/>
+            </a:fontRef>
+          </p:style>
+          <p:txBody>
+            <a:bodyPr rtlCol="0" anchor="ctr"/>
+            <a:lstStyle/>
+            <a:p>
+              <a:pPr algn="ctr"/>
+              <a:r>
+                <a:rPr kumimoji="1" lang="en-US" altLang="ko-KR"/>
+                <a:t>P</a:t>
+              </a:r>
+              <a:endParaRPr kumimoji="1" lang="ko-KR" altLang="en-US" dirty="0"/>
+            </a:p>
+          </p:txBody>
+        </p:sp>
+      </p:grpSp>
+      <p:sp>
+        <p:nvSpPr>
+          <p:cNvPr id="46" name="타원 45"/>
+          <p:cNvSpPr/>
+          <p:nvPr/>
+        </p:nvSpPr>
+        <p:spPr>
+          <a:xfrm>
+            <a:off x="7473642" y="2439650"/>
+            <a:ext cx="3582649" cy="2417164"/>
+          </a:xfrm>
+          <a:prstGeom prst="ellipse">
+            <a:avLst/>
+          </a:prstGeom>
+          <a:noFill/>
+          <a:ln w="38100">
+            <a:solidFill>
+              <a:schemeClr val="tx1"/>
+            </a:solidFill>
+          </a:ln>
+        </p:spPr>
+        <p:style>
+          <a:lnRef idx="2">
+            <a:schemeClr val="accent1">
+              <a:shade val="50000"/>
+            </a:schemeClr>
+          </a:lnRef>
+          <a:fillRef idx="1">
+            <a:schemeClr val="accent1"/>
+          </a:fillRef>
+          <a:effectRef idx="0">
+            <a:schemeClr val="accent1"/>
+          </a:effectRef>
+          <a:fontRef idx="minor">
+            <a:schemeClr val="lt1"/>
+          </a:fontRef>
+        </p:style>
+        <p:txBody>
+          <a:bodyPr rtlCol="0" anchor="ctr"/>
+          <a:lstStyle/>
+          <a:p>
+            <a:pPr algn="ctr"/>
+            <a:endParaRPr kumimoji="1" lang="ko-KR" altLang="en-US"/>
+          </a:p>
+        </p:txBody>
+      </p:sp>
+      <p:pic>
+        <p:nvPicPr>
+          <p:cNvPr id="47" name="그림 46"/>
+          <p:cNvPicPr>
+            <a:picLocks noChangeAspect="1"/>
+          </p:cNvPicPr>
+          <p:nvPr/>
+        </p:nvPicPr>
+        <p:blipFill>
+          <a:blip r:embed="rId2">
+            <a:extLst>
+              <a:ext uri="{BEBA8EAE-BF5A-486C-A8C5-ECC9F3942E4B}">
+                <a14:imgProps xmlns:a14="http://schemas.microsoft.com/office/drawing/2010/main">
+                  <a14:imgLayer r:embed="rId3">
+                    <a14:imgEffect>
+                      <a14:backgroundRemoval t="0" b="100000" l="0" r="100000"/>
+                    </a14:imgEffect>
+                  </a14:imgLayer>
+                </a14:imgProps>
+              </a:ext>
+              <a:ext uri="{28A0092B-C50C-407E-A947-70E740481C1C}">
+                <a14:useLocalDpi xmlns:a14="http://schemas.microsoft.com/office/drawing/2010/main" val="0"/>
+              </a:ext>
+            </a:extLst>
+          </a:blip>
+          <a:stretch>
+            <a:fillRect/>
+          </a:stretch>
+        </p:blipFill>
+        <p:spPr>
+          <a:xfrm>
+            <a:off x="8039521" y="2184816"/>
+            <a:ext cx="1664208" cy="1816608"/>
+          </a:xfrm>
+          <a:prstGeom prst="rect">
+            <a:avLst/>
+          </a:prstGeom>
+        </p:spPr>
+      </p:pic>
+      <p:sp>
+        <p:nvSpPr>
+          <p:cNvPr id="48" name="오른쪽 중괄호[R] 47"/>
+          <p:cNvSpPr/>
+          <p:nvPr/>
+        </p:nvSpPr>
+        <p:spPr>
+          <a:xfrm rot="16200000">
+            <a:off x="9977300" y="3053298"/>
+            <a:ext cx="584616" cy="1274164"/>
+          </a:xfrm>
+          <a:prstGeom prst="rightBrace">
+            <a:avLst>
+              <a:gd name="adj1" fmla="val 39102"/>
+              <a:gd name="adj2" fmla="val 58236"/>
+            </a:avLst>
+          </a:prstGeom>
+          <a:ln w="25400">
+            <a:solidFill>
+              <a:schemeClr val="tx1"/>
+            </a:solidFill>
+          </a:ln>
+        </p:spPr>
+        <p:style>
+          <a:lnRef idx="1">
+            <a:schemeClr val="accent1"/>
+          </a:lnRef>
+          <a:fillRef idx="0">
+            <a:schemeClr val="accent1"/>
+          </a:fillRef>
+          <a:effectRef idx="0">
+            <a:schemeClr val="accent1"/>
+          </a:effectRef>
+          <a:fontRef idx="minor">
+            <a:schemeClr val="tx1"/>
+          </a:fontRef>
+        </p:style>
+        <p:txBody>
+          <a:bodyPr rtlCol="0" anchor="ctr"/>
+          <a:lstStyle/>
+          <a:p>
+            <a:pPr algn="ctr"/>
+            <a:endParaRPr kumimoji="1" lang="ko-KR" altLang="en-US"/>
+          </a:p>
+        </p:txBody>
+      </p:sp>
+      <p:sp>
+        <p:nvSpPr>
+          <p:cNvPr id="49" name="TextBox 48"/>
+          <p:cNvSpPr txBox="1"/>
+          <p:nvPr/>
+        </p:nvSpPr>
+        <p:spPr>
+          <a:xfrm>
+            <a:off x="9958800" y="2991265"/>
+            <a:ext cx="692818" cy="369332"/>
+          </a:xfrm>
+          <a:prstGeom prst="rect">
+            <a:avLst/>
+          </a:prstGeom>
+          <a:noFill/>
+        </p:spPr>
+        <p:txBody>
+          <a:bodyPr wrap="none" rtlCol="0">
+            <a:spAutoFit/>
+          </a:bodyPr>
+          <a:lstStyle/>
+          <a:p>
+            <a:r>
+              <a:rPr kumimoji="1" lang="en-US" altLang="ko-KR" dirty="0" smtClean="0"/>
+              <a:t>1.5</a:t>
+            </a:r>
+            <a:r>
+              <a:rPr kumimoji="1" lang="en-US" altLang="ko-KR" dirty="0"/>
+              <a:t>m</a:t>
+            </a:r>
+            <a:endParaRPr kumimoji="1" lang="ko-KR" altLang="en-US" dirty="0"/>
+          </a:p>
+        </p:txBody>
+      </p:sp>
+      <p:grpSp>
+        <p:nvGrpSpPr>
+          <p:cNvPr id="56" name="그룹 55"/>
+          <p:cNvGrpSpPr/>
+          <p:nvPr/>
+        </p:nvGrpSpPr>
+        <p:grpSpPr>
+          <a:xfrm>
+            <a:off x="9386640" y="3470833"/>
+            <a:ext cx="643095" cy="1449543"/>
+            <a:chOff x="5922335" y="1541721"/>
+            <a:chExt cx="643095" cy="1449543"/>
+          </a:xfrm>
+        </p:grpSpPr>
+        <p:sp>
+          <p:nvSpPr>
+            <p:cNvPr id="57" name="지연 56"/>
+            <p:cNvSpPr/>
+            <p:nvPr/>
+          </p:nvSpPr>
+          <p:spPr>
+            <a:xfrm rot="16200000">
+              <a:off x="5737431" y="2266846"/>
+              <a:ext cx="1012901" cy="435935"/>
+            </a:xfrm>
+            <a:prstGeom prst="flowChartDelay">
+              <a:avLst/>
+            </a:prstGeom>
+            <a:solidFill>
+              <a:schemeClr val="accent1">
+                <a:lumMod val="20000"/>
+                <a:lumOff val="80000"/>
+              </a:schemeClr>
+            </a:solidFill>
+          </p:spPr>
+          <p:style>
+            <a:lnRef idx="2">
+              <a:schemeClr val="accent1">
+                <a:shade val="50000"/>
+              </a:schemeClr>
+            </a:lnRef>
+            <a:fillRef idx="1">
+              <a:schemeClr val="accent1"/>
+            </a:fillRef>
+            <a:effectRef idx="0">
+              <a:schemeClr val="accent1"/>
+            </a:effectRef>
+            <a:fontRef idx="minor">
+              <a:schemeClr val="lt1"/>
+            </a:fontRef>
+          </p:style>
+          <p:txBody>
+            <a:bodyPr rtlCol="0" anchor="ctr"/>
+            <a:lstStyle/>
+            <a:p>
+              <a:pPr algn="ctr"/>
+              <a:endParaRPr kumimoji="1" lang="ko-KR" altLang="en-US"/>
+            </a:p>
+          </p:txBody>
+        </p:sp>
+        <p:sp>
+          <p:nvSpPr>
+            <p:cNvPr id="58" name="타원 57"/>
+            <p:cNvSpPr/>
+            <p:nvPr/>
+          </p:nvSpPr>
+          <p:spPr>
+            <a:xfrm>
+              <a:off x="5922335" y="1541721"/>
+              <a:ext cx="643095" cy="643095"/>
+            </a:xfrm>
+            <a:prstGeom prst="ellipse">
+              <a:avLst/>
+            </a:prstGeom>
+            <a:solidFill>
+              <a:schemeClr val="accent1">
+                <a:lumMod val="20000"/>
+                <a:lumOff val="80000"/>
+              </a:schemeClr>
+            </a:solidFill>
+          </p:spPr>
+          <p:style>
+            <a:lnRef idx="2">
+              <a:schemeClr val="accent1">
+                <a:shade val="50000"/>
+              </a:schemeClr>
+            </a:lnRef>
+            <a:fillRef idx="1">
+              <a:schemeClr val="accent1"/>
+            </a:fillRef>
+            <a:effectRef idx="0">
+              <a:schemeClr val="accent1"/>
+            </a:effectRef>
+            <a:fontRef idx="minor">
+              <a:schemeClr val="lt1"/>
+            </a:fontRef>
+          </p:style>
+          <p:txBody>
+            <a:bodyPr rtlCol="0" anchor="ctr"/>
+            <a:lstStyle/>
+            <a:p>
+              <a:pPr algn="ctr"/>
+              <a:endParaRPr kumimoji="1" lang="ko-KR" altLang="en-US" dirty="0"/>
+            </a:p>
+          </p:txBody>
+        </p:sp>
+      </p:grpSp>
+      <p:grpSp>
+        <p:nvGrpSpPr>
+          <p:cNvPr id="62" name="그룹 61"/>
+          <p:cNvGrpSpPr/>
+          <p:nvPr/>
+        </p:nvGrpSpPr>
+        <p:grpSpPr>
+          <a:xfrm>
+            <a:off x="10242169" y="4001424"/>
+            <a:ext cx="643095" cy="1449543"/>
+            <a:chOff x="5922335" y="1541721"/>
+            <a:chExt cx="643095" cy="1449543"/>
+          </a:xfrm>
+        </p:grpSpPr>
+        <p:sp>
+          <p:nvSpPr>
+            <p:cNvPr id="63" name="지연 62"/>
+            <p:cNvSpPr/>
+            <p:nvPr/>
+          </p:nvSpPr>
+          <p:spPr>
+            <a:xfrm rot="16200000">
+              <a:off x="5737431" y="2266846"/>
+              <a:ext cx="1012901" cy="435935"/>
+            </a:xfrm>
+            <a:prstGeom prst="flowChartDelay">
+              <a:avLst/>
+            </a:prstGeom>
+            <a:solidFill>
+              <a:schemeClr val="accent1">
+                <a:lumMod val="20000"/>
+                <a:lumOff val="80000"/>
+              </a:schemeClr>
+            </a:solidFill>
+          </p:spPr>
+          <p:style>
+            <a:lnRef idx="2">
+              <a:schemeClr val="accent1">
+                <a:shade val="50000"/>
+              </a:schemeClr>
+            </a:lnRef>
+            <a:fillRef idx="1">
+              <a:schemeClr val="accent1"/>
+            </a:fillRef>
+            <a:effectRef idx="0">
+              <a:schemeClr val="accent1"/>
+            </a:effectRef>
+            <a:fontRef idx="minor">
+              <a:schemeClr val="lt1"/>
+            </a:fontRef>
+          </p:style>
+          <p:txBody>
+            <a:bodyPr rtlCol="0" anchor="ctr"/>
+            <a:lstStyle/>
+            <a:p>
+              <a:pPr algn="ctr"/>
+              <a:endParaRPr kumimoji="1" lang="ko-KR" altLang="en-US"/>
+            </a:p>
+          </p:txBody>
+        </p:sp>
+        <p:sp>
+          <p:nvSpPr>
+            <p:cNvPr id="64" name="타원 63"/>
+            <p:cNvSpPr/>
+            <p:nvPr/>
+          </p:nvSpPr>
+          <p:spPr>
+            <a:xfrm>
+              <a:off x="5922335" y="1541721"/>
+              <a:ext cx="643095" cy="643095"/>
+            </a:xfrm>
+            <a:prstGeom prst="ellipse">
+              <a:avLst/>
+            </a:prstGeom>
+            <a:solidFill>
+              <a:schemeClr val="accent1">
+                <a:lumMod val="20000"/>
+                <a:lumOff val="80000"/>
+              </a:schemeClr>
+            </a:solidFill>
+          </p:spPr>
+          <p:style>
+            <a:lnRef idx="2">
+              <a:schemeClr val="accent1">
+                <a:shade val="50000"/>
+              </a:schemeClr>
+            </a:lnRef>
+            <a:fillRef idx="1">
+              <a:schemeClr val="accent1"/>
+            </a:fillRef>
+            <a:effectRef idx="0">
+              <a:schemeClr val="accent1"/>
+            </a:effectRef>
+            <a:fontRef idx="minor">
+              <a:schemeClr val="lt1"/>
+            </a:fontRef>
+          </p:style>
+          <p:txBody>
+            <a:bodyPr rtlCol="0" anchor="ctr"/>
+            <a:lstStyle/>
+            <a:p>
+              <a:pPr algn="ctr"/>
+              <a:endParaRPr kumimoji="1" lang="ko-KR" altLang="en-US" dirty="0"/>
+            </a:p>
+          </p:txBody>
+        </p:sp>
+      </p:grpSp>
+      <p:grpSp>
+        <p:nvGrpSpPr>
+          <p:cNvPr id="65" name="그룹 64"/>
+          <p:cNvGrpSpPr/>
+          <p:nvPr/>
+        </p:nvGrpSpPr>
+        <p:grpSpPr>
+          <a:xfrm>
+            <a:off x="8474883" y="3907474"/>
+            <a:ext cx="643095" cy="1449543"/>
+            <a:chOff x="5922335" y="1541721"/>
+            <a:chExt cx="643095" cy="1449543"/>
+          </a:xfrm>
+        </p:grpSpPr>
+        <p:sp>
+          <p:nvSpPr>
+            <p:cNvPr id="66" name="지연 65"/>
+            <p:cNvSpPr/>
+            <p:nvPr/>
+          </p:nvSpPr>
+          <p:spPr>
+            <a:xfrm rot="16200000">
+              <a:off x="5737431" y="2266846"/>
+              <a:ext cx="1012901" cy="435935"/>
+            </a:xfrm>
+            <a:prstGeom prst="flowChartDelay">
+              <a:avLst/>
+            </a:prstGeom>
+            <a:solidFill>
+              <a:schemeClr val="accent1">
+                <a:lumMod val="20000"/>
+                <a:lumOff val="80000"/>
+              </a:schemeClr>
+            </a:solidFill>
+          </p:spPr>
+          <p:style>
+            <a:lnRef idx="2">
+              <a:schemeClr val="accent1">
+                <a:shade val="50000"/>
+              </a:schemeClr>
+            </a:lnRef>
+            <a:fillRef idx="1">
+              <a:schemeClr val="accent1"/>
+            </a:fillRef>
+            <a:effectRef idx="0">
+              <a:schemeClr val="accent1"/>
+            </a:effectRef>
+            <a:fontRef idx="minor">
+              <a:schemeClr val="lt1"/>
+            </a:fontRef>
+          </p:style>
+          <p:txBody>
+            <a:bodyPr rtlCol="0" anchor="ctr"/>
+            <a:lstStyle/>
+            <a:p>
+              <a:pPr algn="ctr"/>
+              <a:endParaRPr kumimoji="1" lang="ko-KR" altLang="en-US"/>
+            </a:p>
+          </p:txBody>
+        </p:sp>
+        <p:sp>
+          <p:nvSpPr>
+            <p:cNvPr id="67" name="타원 66"/>
+            <p:cNvSpPr/>
+            <p:nvPr/>
+          </p:nvSpPr>
+          <p:spPr>
+            <a:xfrm>
+              <a:off x="5922335" y="1541721"/>
+              <a:ext cx="643095" cy="643095"/>
+            </a:xfrm>
+            <a:prstGeom prst="ellipse">
+              <a:avLst/>
+            </a:prstGeom>
+            <a:solidFill>
+              <a:schemeClr val="accent1">
+                <a:lumMod val="20000"/>
+                <a:lumOff val="80000"/>
+              </a:schemeClr>
+            </a:solidFill>
+          </p:spPr>
+          <p:style>
+            <a:lnRef idx="2">
+              <a:schemeClr val="accent1">
+                <a:shade val="50000"/>
+              </a:schemeClr>
+            </a:lnRef>
+            <a:fillRef idx="1">
+              <a:schemeClr val="accent1"/>
+            </a:fillRef>
+            <a:effectRef idx="0">
+              <a:schemeClr val="accent1"/>
+            </a:effectRef>
+            <a:fontRef idx="minor">
+              <a:schemeClr val="lt1"/>
+            </a:fontRef>
+          </p:style>
+          <p:txBody>
+            <a:bodyPr rtlCol="0" anchor="ctr"/>
+            <a:lstStyle/>
+            <a:p>
+              <a:pPr algn="ctr"/>
+              <a:endParaRPr kumimoji="1" lang="ko-KR" altLang="en-US" dirty="0"/>
+            </a:p>
+          </p:txBody>
+        </p:sp>
+      </p:grpSp>
+      <p:grpSp>
+        <p:nvGrpSpPr>
+          <p:cNvPr id="68" name="그룹 67"/>
+          <p:cNvGrpSpPr/>
+          <p:nvPr/>
+        </p:nvGrpSpPr>
+        <p:grpSpPr>
+          <a:xfrm>
+            <a:off x="7432682" y="3407271"/>
+            <a:ext cx="643095" cy="1449543"/>
+            <a:chOff x="5922335" y="1541721"/>
+            <a:chExt cx="643095" cy="1449543"/>
+          </a:xfrm>
+        </p:grpSpPr>
+        <p:sp>
+          <p:nvSpPr>
+            <p:cNvPr id="69" name="지연 68"/>
+            <p:cNvSpPr/>
+            <p:nvPr/>
+          </p:nvSpPr>
+          <p:spPr>
+            <a:xfrm rot="16200000">
+              <a:off x="5737431" y="2266846"/>
+              <a:ext cx="1012901" cy="435935"/>
+            </a:xfrm>
+            <a:prstGeom prst="flowChartDelay">
+              <a:avLst/>
+            </a:prstGeom>
+            <a:solidFill>
+              <a:schemeClr val="accent1">
+                <a:lumMod val="20000"/>
+                <a:lumOff val="80000"/>
+              </a:schemeClr>
+            </a:solidFill>
+          </p:spPr>
+          <p:style>
+            <a:lnRef idx="2">
+              <a:schemeClr val="accent1">
+                <a:shade val="50000"/>
+              </a:schemeClr>
+            </a:lnRef>
+            <a:fillRef idx="1">
+              <a:schemeClr val="accent1"/>
+            </a:fillRef>
+            <a:effectRef idx="0">
+              <a:schemeClr val="accent1"/>
+            </a:effectRef>
+            <a:fontRef idx="minor">
+              <a:schemeClr val="lt1"/>
+            </a:fontRef>
+          </p:style>
+          <p:txBody>
+            <a:bodyPr rtlCol="0" anchor="ctr"/>
+            <a:lstStyle/>
+            <a:p>
+              <a:pPr algn="ctr"/>
+              <a:endParaRPr kumimoji="1" lang="ko-KR" altLang="en-US"/>
+            </a:p>
+          </p:txBody>
+        </p:sp>
+        <p:sp>
+          <p:nvSpPr>
+            <p:cNvPr id="70" name="타원 69"/>
+            <p:cNvSpPr/>
+            <p:nvPr/>
+          </p:nvSpPr>
+          <p:spPr>
+            <a:xfrm>
+              <a:off x="5922335" y="1541721"/>
+              <a:ext cx="643095" cy="643095"/>
+            </a:xfrm>
+            <a:prstGeom prst="ellipse">
+              <a:avLst/>
+            </a:prstGeom>
+            <a:solidFill>
+              <a:schemeClr val="accent1">
+                <a:lumMod val="20000"/>
+                <a:lumOff val="80000"/>
+              </a:schemeClr>
+            </a:solidFill>
+          </p:spPr>
+          <p:style>
+            <a:lnRef idx="2">
+              <a:schemeClr val="accent1">
+                <a:shade val="50000"/>
+              </a:schemeClr>
+            </a:lnRef>
+            <a:fillRef idx="1">
+              <a:schemeClr val="accent1"/>
+            </a:fillRef>
+            <a:effectRef idx="0">
+              <a:schemeClr val="accent1"/>
+            </a:effectRef>
+            <a:fontRef idx="minor">
+              <a:schemeClr val="lt1"/>
+            </a:fontRef>
+          </p:style>
+          <p:txBody>
+            <a:bodyPr rtlCol="0" anchor="ctr"/>
+            <a:lstStyle/>
+            <a:p>
+              <a:pPr algn="ctr"/>
+              <a:endParaRPr kumimoji="1" lang="ko-KR" altLang="en-US" dirty="0"/>
+            </a:p>
+          </p:txBody>
+        </p:sp>
+      </p:grpSp>
+      <p:grpSp>
+        <p:nvGrpSpPr>
+          <p:cNvPr id="80" name="그룹 79"/>
+          <p:cNvGrpSpPr/>
+          <p:nvPr/>
+        </p:nvGrpSpPr>
+        <p:grpSpPr>
+          <a:xfrm>
+            <a:off x="6892702" y="2907347"/>
+            <a:ext cx="643095" cy="1449543"/>
+            <a:chOff x="5922335" y="1541721"/>
+            <a:chExt cx="643095" cy="1449543"/>
+          </a:xfrm>
+        </p:grpSpPr>
+        <p:sp>
+          <p:nvSpPr>
+            <p:cNvPr id="81" name="지연 80"/>
+            <p:cNvSpPr/>
+            <p:nvPr/>
+          </p:nvSpPr>
+          <p:spPr>
+            <a:xfrm rot="16200000">
+              <a:off x="5737431" y="2266846"/>
+              <a:ext cx="1012901" cy="435935"/>
+            </a:xfrm>
+            <a:prstGeom prst="flowChartDelay">
+              <a:avLst/>
+            </a:prstGeom>
+            <a:solidFill>
+              <a:schemeClr val="accent1">
+                <a:lumMod val="20000"/>
+                <a:lumOff val="80000"/>
+              </a:schemeClr>
+            </a:solidFill>
+          </p:spPr>
+          <p:style>
+            <a:lnRef idx="2">
+              <a:schemeClr val="accent1">
+                <a:shade val="50000"/>
+              </a:schemeClr>
+            </a:lnRef>
+            <a:fillRef idx="1">
+              <a:schemeClr val="accent1"/>
+            </a:fillRef>
+            <a:effectRef idx="0">
+              <a:schemeClr val="accent1"/>
+            </a:effectRef>
+            <a:fontRef idx="minor">
+              <a:schemeClr val="lt1"/>
+            </a:fontRef>
+          </p:style>
+          <p:txBody>
+            <a:bodyPr rtlCol="0" anchor="ctr"/>
+            <a:lstStyle/>
+            <a:p>
+              <a:pPr algn="ctr"/>
+              <a:endParaRPr kumimoji="1" lang="ko-KR" altLang="en-US"/>
+            </a:p>
+          </p:txBody>
+        </p:sp>
+        <p:sp>
+          <p:nvSpPr>
+            <p:cNvPr id="82" name="타원 81"/>
+            <p:cNvSpPr/>
+            <p:nvPr/>
+          </p:nvSpPr>
+          <p:spPr>
+            <a:xfrm>
+              <a:off x="5922335" y="1541721"/>
+              <a:ext cx="643095" cy="643095"/>
+            </a:xfrm>
+            <a:prstGeom prst="ellipse">
+              <a:avLst/>
+            </a:prstGeom>
+            <a:solidFill>
+              <a:schemeClr val="accent1">
+                <a:lumMod val="20000"/>
+                <a:lumOff val="80000"/>
+              </a:schemeClr>
+            </a:solidFill>
+          </p:spPr>
+          <p:style>
+            <a:lnRef idx="2">
+              <a:schemeClr val="accent1">
+                <a:shade val="50000"/>
+              </a:schemeClr>
+            </a:lnRef>
+            <a:fillRef idx="1">
+              <a:schemeClr val="accent1"/>
+            </a:fillRef>
+            <a:effectRef idx="0">
+              <a:schemeClr val="accent1"/>
+            </a:effectRef>
+            <a:fontRef idx="minor">
+              <a:schemeClr val="lt1"/>
+            </a:fontRef>
+          </p:style>
+          <p:txBody>
+            <a:bodyPr rtlCol="0" anchor="ctr"/>
+            <a:lstStyle/>
+            <a:p>
+              <a:pPr algn="ctr"/>
+              <a:endParaRPr kumimoji="1" lang="ko-KR" altLang="en-US" dirty="0"/>
+            </a:p>
+          </p:txBody>
+        </p:sp>
+      </p:grpSp>
+      <p:grpSp>
+        <p:nvGrpSpPr>
+          <p:cNvPr id="86" name="그룹 85"/>
+          <p:cNvGrpSpPr/>
+          <p:nvPr/>
+        </p:nvGrpSpPr>
+        <p:grpSpPr>
+          <a:xfrm>
+            <a:off x="7958416" y="2635825"/>
+            <a:ext cx="643095" cy="1449543"/>
+            <a:chOff x="5922335" y="1541721"/>
+            <a:chExt cx="643095" cy="1449543"/>
+          </a:xfrm>
+        </p:grpSpPr>
+        <p:sp>
+          <p:nvSpPr>
+            <p:cNvPr id="87" name="지연 86"/>
+            <p:cNvSpPr/>
+            <p:nvPr/>
+          </p:nvSpPr>
+          <p:spPr>
+            <a:xfrm rot="16200000">
+              <a:off x="5737431" y="2266846"/>
+              <a:ext cx="1012901" cy="435935"/>
+            </a:xfrm>
+            <a:prstGeom prst="flowChartDelay">
+              <a:avLst/>
+            </a:prstGeom>
+            <a:solidFill>
+              <a:schemeClr val="accent4">
+                <a:lumMod val="20000"/>
+                <a:lumOff val="80000"/>
+              </a:schemeClr>
+            </a:solidFill>
+          </p:spPr>
+          <p:style>
+            <a:lnRef idx="2">
+              <a:schemeClr val="accent1">
+                <a:shade val="50000"/>
+              </a:schemeClr>
+            </a:lnRef>
+            <a:fillRef idx="1">
+              <a:schemeClr val="accent1"/>
+            </a:fillRef>
+            <a:effectRef idx="0">
+              <a:schemeClr val="accent1"/>
+            </a:effectRef>
+            <a:fontRef idx="minor">
+              <a:schemeClr val="lt1"/>
+            </a:fontRef>
+          </p:style>
+          <p:txBody>
+            <a:bodyPr rtlCol="0" anchor="ctr"/>
+            <a:lstStyle/>
+            <a:p>
+              <a:pPr algn="ctr"/>
+              <a:endParaRPr kumimoji="1" lang="ko-KR" altLang="en-US"/>
+            </a:p>
+          </p:txBody>
+        </p:sp>
+        <p:sp>
+          <p:nvSpPr>
+            <p:cNvPr id="88" name="타원 87"/>
+            <p:cNvSpPr/>
+            <p:nvPr/>
+          </p:nvSpPr>
+          <p:spPr>
+            <a:xfrm>
+              <a:off x="5922335" y="1541721"/>
+              <a:ext cx="643095" cy="643095"/>
+            </a:xfrm>
+            <a:prstGeom prst="ellipse">
+              <a:avLst/>
+            </a:prstGeom>
+            <a:solidFill>
+              <a:schemeClr val="accent4">
+                <a:lumMod val="20000"/>
+                <a:lumOff val="80000"/>
+              </a:schemeClr>
+            </a:solidFill>
+          </p:spPr>
+          <p:style>
+            <a:lnRef idx="2">
+              <a:schemeClr val="accent1">
+                <a:shade val="50000"/>
+              </a:schemeClr>
+            </a:lnRef>
+            <a:fillRef idx="1">
+              <a:schemeClr val="accent1"/>
+            </a:fillRef>
+            <a:effectRef idx="0">
+              <a:schemeClr val="accent1"/>
+            </a:effectRef>
+            <a:fontRef idx="minor">
+              <a:schemeClr val="lt1"/>
+            </a:fontRef>
+          </p:style>
+          <p:txBody>
+            <a:bodyPr rtlCol="0" anchor="ctr"/>
+            <a:lstStyle/>
+            <a:p>
+              <a:pPr algn="ctr"/>
+              <a:r>
+                <a:rPr kumimoji="1" lang="en-US" altLang="ko-KR"/>
+                <a:t>P</a:t>
+              </a:r>
+              <a:endParaRPr kumimoji="1" lang="ko-KR" altLang="en-US" dirty="0"/>
+            </a:p>
+          </p:txBody>
+        </p:sp>
+      </p:grpSp>
+      <p:sp>
+        <p:nvSpPr>
+          <p:cNvPr id="89" name="오른쪽 화살표[R] 88"/>
+          <p:cNvSpPr/>
+          <p:nvPr/>
+        </p:nvSpPr>
+        <p:spPr>
+          <a:xfrm>
+            <a:off x="5873858" y="3175931"/>
+            <a:ext cx="898901" cy="531671"/>
+          </a:xfrm>
+          <a:prstGeom prst="rightArrow">
+            <a:avLst/>
+          </a:prstGeom>
+          <a:solidFill>
+            <a:srgbClr val="FF0000"/>
+          </a:solidFill>
+          <a:ln>
+            <a:noFill/>
+          </a:ln>
+        </p:spPr>
+        <p:style>
+          <a:lnRef idx="2">
+            <a:schemeClr val="accent1">
+              <a:shade val="50000"/>
+            </a:schemeClr>
+          </a:lnRef>
+          <a:fillRef idx="1">
+            <a:schemeClr val="accent1"/>
+          </a:fillRef>
+          <a:effectRef idx="0">
+            <a:schemeClr val="accent1"/>
+          </a:effectRef>
+          <a:fontRef idx="minor">
+            <a:schemeClr val="lt1"/>
+          </a:fontRef>
+        </p:style>
+        <p:txBody>
+          <a:bodyPr rtlCol="0" anchor="ctr"/>
+          <a:lstStyle/>
+          <a:p>
+            <a:pPr algn="ctr"/>
+            <a:endParaRPr kumimoji="1" lang="ko-KR" altLang="en-US"/>
+          </a:p>
+        </p:txBody>
+      </p:sp>
+    </p:spTree>
+    <p:extLst>
+      <p:ext uri="{BB962C8B-B14F-4D97-AF65-F5344CB8AC3E}">
+        <p14:creationId xmlns:p14="http://schemas.microsoft.com/office/powerpoint/2010/main" val="461300395"/>
+      </p:ext>
+    </p:extLst>
+  </p:cSld>
+  <p:clrMapOvr>
+    <a:masterClrMapping/>
+  </p:clrMapOvr>
+</p:sld>
+</file>
+
 <file path=ppt/theme/theme1.xml><?xml version="1.0" encoding="utf-8"?>
 <a:theme xmlns:a="http://schemas.openxmlformats.org/drawingml/2006/main" name="Office 테마">
   <a:themeElements>

--- a/plan/0.시스템/forwork.pptx
+++ b/plan/0.시스템/forwork.pptx
@@ -11,6 +11,8 @@
     <p:sldId id="261" r:id="rId5"/>
     <p:sldId id="257" r:id="rId6"/>
     <p:sldId id="258" r:id="rId7"/>
+    <p:sldId id="262" r:id="rId8"/>
+    <p:sldId id="263" r:id="rId9"/>
   </p:sldIdLst>
   <p:sldSz cx="12192000" cy="6858000"/>
   <p:notesSz cx="6858000" cy="9144000"/>
@@ -259,7 +261,7 @@
           <a:p>
             <a:fld id="{2CDDD4F0-4385-CA49-8578-629ACA7B3AA3}" type="datetimeFigureOut">
               <a:rPr kumimoji="1" lang="ko-KR" altLang="en-US" smtClean="0"/>
-              <a:t>2016. 9. 4.</a:t>
+              <a:t>2016. 9. 9.</a:t>
             </a:fld>
             <a:endParaRPr kumimoji="1" lang="ko-KR" altLang="en-US"/>
           </a:p>
@@ -429,7 +431,7 @@
           <a:p>
             <a:fld id="{2CDDD4F0-4385-CA49-8578-629ACA7B3AA3}" type="datetimeFigureOut">
               <a:rPr kumimoji="1" lang="ko-KR" altLang="en-US" smtClean="0"/>
-              <a:t>2016. 9. 4.</a:t>
+              <a:t>2016. 9. 9.</a:t>
             </a:fld>
             <a:endParaRPr kumimoji="1" lang="ko-KR" altLang="en-US"/>
           </a:p>
@@ -609,7 +611,7 @@
           <a:p>
             <a:fld id="{2CDDD4F0-4385-CA49-8578-629ACA7B3AA3}" type="datetimeFigureOut">
               <a:rPr kumimoji="1" lang="ko-KR" altLang="en-US" smtClean="0"/>
-              <a:t>2016. 9. 4.</a:t>
+              <a:t>2016. 9. 9.</a:t>
             </a:fld>
             <a:endParaRPr kumimoji="1" lang="ko-KR" altLang="en-US"/>
           </a:p>
@@ -779,7 +781,7 @@
           <a:p>
             <a:fld id="{2CDDD4F0-4385-CA49-8578-629ACA7B3AA3}" type="datetimeFigureOut">
               <a:rPr kumimoji="1" lang="ko-KR" altLang="en-US" smtClean="0"/>
-              <a:t>2016. 9. 4.</a:t>
+              <a:t>2016. 9. 9.</a:t>
             </a:fld>
             <a:endParaRPr kumimoji="1" lang="ko-KR" altLang="en-US"/>
           </a:p>
@@ -1025,7 +1027,7 @@
           <a:p>
             <a:fld id="{2CDDD4F0-4385-CA49-8578-629ACA7B3AA3}" type="datetimeFigureOut">
               <a:rPr kumimoji="1" lang="ko-KR" altLang="en-US" smtClean="0"/>
-              <a:t>2016. 9. 4.</a:t>
+              <a:t>2016. 9. 9.</a:t>
             </a:fld>
             <a:endParaRPr kumimoji="1" lang="ko-KR" altLang="en-US"/>
           </a:p>
@@ -1257,7 +1259,7 @@
           <a:p>
             <a:fld id="{2CDDD4F0-4385-CA49-8578-629ACA7B3AA3}" type="datetimeFigureOut">
               <a:rPr kumimoji="1" lang="ko-KR" altLang="en-US" smtClean="0"/>
-              <a:t>2016. 9. 4.</a:t>
+              <a:t>2016. 9. 9.</a:t>
             </a:fld>
             <a:endParaRPr kumimoji="1" lang="ko-KR" altLang="en-US"/>
           </a:p>
@@ -1624,7 +1626,7 @@
           <a:p>
             <a:fld id="{2CDDD4F0-4385-CA49-8578-629ACA7B3AA3}" type="datetimeFigureOut">
               <a:rPr kumimoji="1" lang="ko-KR" altLang="en-US" smtClean="0"/>
-              <a:t>2016. 9. 4.</a:t>
+              <a:t>2016. 9. 9.</a:t>
             </a:fld>
             <a:endParaRPr kumimoji="1" lang="ko-KR" altLang="en-US"/>
           </a:p>
@@ -1742,7 +1744,7 @@
           <a:p>
             <a:fld id="{2CDDD4F0-4385-CA49-8578-629ACA7B3AA3}" type="datetimeFigureOut">
               <a:rPr kumimoji="1" lang="ko-KR" altLang="en-US" smtClean="0"/>
-              <a:t>2016. 9. 4.</a:t>
+              <a:t>2016. 9. 9.</a:t>
             </a:fld>
             <a:endParaRPr kumimoji="1" lang="ko-KR" altLang="en-US"/>
           </a:p>
@@ -1837,7 +1839,7 @@
           <a:p>
             <a:fld id="{2CDDD4F0-4385-CA49-8578-629ACA7B3AA3}" type="datetimeFigureOut">
               <a:rPr kumimoji="1" lang="ko-KR" altLang="en-US" smtClean="0"/>
-              <a:t>2016. 9. 4.</a:t>
+              <a:t>2016. 9. 9.</a:t>
             </a:fld>
             <a:endParaRPr kumimoji="1" lang="ko-KR" altLang="en-US"/>
           </a:p>
@@ -2114,7 +2116,7 @@
           <a:p>
             <a:fld id="{2CDDD4F0-4385-CA49-8578-629ACA7B3AA3}" type="datetimeFigureOut">
               <a:rPr kumimoji="1" lang="ko-KR" altLang="en-US" smtClean="0"/>
-              <a:t>2016. 9. 4.</a:t>
+              <a:t>2016. 9. 9.</a:t>
             </a:fld>
             <a:endParaRPr kumimoji="1" lang="ko-KR" altLang="en-US"/>
           </a:p>
@@ -2367,7 +2369,7 @@
           <a:p>
             <a:fld id="{2CDDD4F0-4385-CA49-8578-629ACA7B3AA3}" type="datetimeFigureOut">
               <a:rPr kumimoji="1" lang="ko-KR" altLang="en-US" smtClean="0"/>
-              <a:t>2016. 9. 4.</a:t>
+              <a:t>2016. 9. 9.</a:t>
             </a:fld>
             <a:endParaRPr kumimoji="1" lang="ko-KR" altLang="en-US"/>
           </a:p>
@@ -2580,7 +2582,7 @@
           <a:p>
             <a:fld id="{2CDDD4F0-4385-CA49-8578-629ACA7B3AA3}" type="datetimeFigureOut">
               <a:rPr kumimoji="1" lang="ko-KR" altLang="en-US" smtClean="0"/>
-              <a:t>2016. 9. 4.</a:t>
+              <a:t>2016. 9. 9.</a:t>
             </a:fld>
             <a:endParaRPr kumimoji="1" lang="ko-KR" altLang="en-US"/>
           </a:p>
@@ -7518,6 +7520,1144 @@
 </p:sld>
 </file>
 
+<file path=ppt/slides/slide7.xml><?xml version="1.0" encoding="utf-8"?>
+<p:sld xmlns:a="http://schemas.openxmlformats.org/drawingml/2006/main" xmlns:r="http://schemas.openxmlformats.org/officeDocument/2006/relationships" xmlns:p="http://schemas.openxmlformats.org/presentationml/2006/main">
+  <p:cSld>
+    <p:spTree>
+      <p:nvGrpSpPr>
+        <p:cNvPr id="1" name=""/>
+        <p:cNvGrpSpPr/>
+        <p:nvPr/>
+      </p:nvGrpSpPr>
+      <p:grpSpPr>
+        <a:xfrm>
+          <a:off x="0" y="0"/>
+          <a:ext cx="0" cy="0"/>
+          <a:chOff x="0" y="0"/>
+          <a:chExt cx="0" cy="0"/>
+        </a:xfrm>
+      </p:grpSpPr>
+      <p:sp>
+        <p:nvSpPr>
+          <p:cNvPr id="4" name="아래쪽 화살표[D] 3"/>
+          <p:cNvSpPr/>
+          <p:nvPr/>
+        </p:nvSpPr>
+        <p:spPr>
+          <a:xfrm>
+            <a:off x="728420" y="666427"/>
+            <a:ext cx="945397" cy="5951349"/>
+          </a:xfrm>
+          <a:prstGeom prst="downArrow">
+            <a:avLst/>
+          </a:prstGeom>
+          <a:solidFill>
+            <a:schemeClr val="accent1">
+              <a:lumMod val="20000"/>
+              <a:lumOff val="80000"/>
+            </a:schemeClr>
+          </a:solidFill>
+          <a:ln>
+            <a:noFill/>
+          </a:ln>
+        </p:spPr>
+        <p:style>
+          <a:lnRef idx="2">
+            <a:schemeClr val="accent1">
+              <a:shade val="50000"/>
+            </a:schemeClr>
+          </a:lnRef>
+          <a:fillRef idx="1">
+            <a:schemeClr val="accent1"/>
+          </a:fillRef>
+          <a:effectRef idx="0">
+            <a:schemeClr val="accent1"/>
+          </a:effectRef>
+          <a:fontRef idx="minor">
+            <a:schemeClr val="lt1"/>
+          </a:fontRef>
+        </p:style>
+        <p:txBody>
+          <a:bodyPr rtlCol="0" anchor="ctr"/>
+          <a:lstStyle/>
+          <a:p>
+            <a:pPr algn="ctr"/>
+            <a:endParaRPr kumimoji="1" lang="ko-KR" altLang="en-US"/>
+          </a:p>
+        </p:txBody>
+      </p:sp>
+      <p:sp>
+        <p:nvSpPr>
+          <p:cNvPr id="5" name="직사각형 4"/>
+          <p:cNvSpPr/>
+          <p:nvPr/>
+        </p:nvSpPr>
+        <p:spPr>
+          <a:xfrm>
+            <a:off x="1425844" y="666427"/>
+            <a:ext cx="5532895" cy="1162373"/>
+          </a:xfrm>
+          <a:prstGeom prst="rect">
+            <a:avLst/>
+          </a:prstGeom>
+          <a:solidFill>
+            <a:srgbClr val="FBDDEF"/>
+          </a:solidFill>
+          <a:ln>
+            <a:noFill/>
+          </a:ln>
+        </p:spPr>
+        <p:style>
+          <a:lnRef idx="2">
+            <a:schemeClr val="accent1">
+              <a:shade val="50000"/>
+            </a:schemeClr>
+          </a:lnRef>
+          <a:fillRef idx="1">
+            <a:schemeClr val="accent1"/>
+          </a:fillRef>
+          <a:effectRef idx="0">
+            <a:schemeClr val="accent1"/>
+          </a:effectRef>
+          <a:fontRef idx="minor">
+            <a:schemeClr val="lt1"/>
+          </a:fontRef>
+        </p:style>
+        <p:txBody>
+          <a:bodyPr rtlCol="0" anchor="ctr"/>
+          <a:lstStyle/>
+          <a:p>
+            <a:r>
+              <a:rPr kumimoji="1" lang="en-US" altLang="ko-KR" dirty="0" smtClean="0">
+                <a:solidFill>
+                  <a:schemeClr val="tx1"/>
+                </a:solidFill>
+              </a:rPr>
+              <a:t>1</a:t>
+            </a:r>
+            <a:r>
+              <a:rPr kumimoji="1" lang="ko-KR" altLang="en-US" dirty="0" smtClean="0">
+                <a:solidFill>
+                  <a:schemeClr val="tx1"/>
+                </a:solidFill>
+              </a:rPr>
+              <a:t>단계 </a:t>
+            </a:r>
+            <a:r>
+              <a:rPr kumimoji="1" lang="en-US" altLang="ko-KR" dirty="0" smtClean="0">
+                <a:solidFill>
+                  <a:schemeClr val="tx1"/>
+                </a:solidFill>
+              </a:rPr>
+              <a:t>:</a:t>
+            </a:r>
+            <a:r>
+              <a:rPr kumimoji="1" lang="ko-KR" altLang="en-US" dirty="0" smtClean="0">
+                <a:solidFill>
+                  <a:schemeClr val="tx1"/>
+                </a:solidFill>
+              </a:rPr>
+              <a:t> 기본 데미지 공식 삽입</a:t>
+            </a:r>
+            <a:endParaRPr kumimoji="1" lang="en-US" altLang="ko-KR" dirty="0" smtClean="0">
+              <a:solidFill>
+                <a:schemeClr val="tx1"/>
+              </a:solidFill>
+            </a:endParaRPr>
+          </a:p>
+          <a:p>
+            <a:r>
+              <a:rPr kumimoji="1" lang="ko-KR" altLang="en-US" dirty="0" smtClean="0">
+                <a:solidFill>
+                  <a:schemeClr val="tx1"/>
+                </a:solidFill>
+              </a:rPr>
+              <a:t>  </a:t>
+            </a:r>
+            <a:r>
+              <a:rPr kumimoji="1" lang="en-US" altLang="ko-KR" dirty="0" smtClean="0">
+                <a:solidFill>
+                  <a:schemeClr val="tx1"/>
+                </a:solidFill>
+              </a:rPr>
+              <a:t>-</a:t>
+            </a:r>
+            <a:r>
+              <a:rPr kumimoji="1" lang="ko-KR" altLang="en-US" dirty="0" smtClean="0">
+                <a:solidFill>
+                  <a:schemeClr val="tx1"/>
+                </a:solidFill>
+              </a:rPr>
+              <a:t> 물리공격 </a:t>
+            </a:r>
+            <a:r>
+              <a:rPr kumimoji="1" lang="en-US" altLang="ko-KR" dirty="0" smtClean="0">
+                <a:solidFill>
+                  <a:schemeClr val="tx1"/>
+                </a:solidFill>
+              </a:rPr>
+              <a:t>:</a:t>
+            </a:r>
+            <a:r>
+              <a:rPr kumimoji="1" lang="ko-KR" altLang="en-US" dirty="0" smtClean="0">
+                <a:solidFill>
+                  <a:schemeClr val="tx1"/>
+                </a:solidFill>
+              </a:rPr>
+              <a:t> </a:t>
+            </a:r>
+            <a:r>
+              <a:rPr kumimoji="1" lang="en-US" altLang="ko-KR" dirty="0" err="1" smtClean="0">
+                <a:solidFill>
+                  <a:schemeClr val="tx1"/>
+                </a:solidFill>
+              </a:rPr>
+              <a:t>str</a:t>
+            </a:r>
+            <a:r>
+              <a:rPr kumimoji="1" lang="en-US" altLang="ko-KR" dirty="0" smtClean="0">
+                <a:solidFill>
+                  <a:schemeClr val="tx1"/>
+                </a:solidFill>
+              </a:rPr>
+              <a:t> * 0.8 ~ </a:t>
+            </a:r>
+            <a:r>
+              <a:rPr kumimoji="1" lang="en-US" altLang="ko-KR" dirty="0" err="1" smtClean="0">
+                <a:solidFill>
+                  <a:schemeClr val="tx1"/>
+                </a:solidFill>
+              </a:rPr>
+              <a:t>str</a:t>
+            </a:r>
+            <a:r>
+              <a:rPr kumimoji="1" lang="en-US" altLang="ko-KR" dirty="0" smtClean="0">
+                <a:solidFill>
+                  <a:schemeClr val="tx1"/>
+                </a:solidFill>
+              </a:rPr>
+              <a:t> * 1.2</a:t>
+            </a:r>
+          </a:p>
+          <a:p>
+            <a:r>
+              <a:rPr kumimoji="1" lang="ko-KR" altLang="en-US" dirty="0" smtClean="0">
+                <a:solidFill>
+                  <a:schemeClr val="tx1"/>
+                </a:solidFill>
+              </a:rPr>
+              <a:t>  </a:t>
+            </a:r>
+            <a:r>
+              <a:rPr kumimoji="1" lang="en-US" altLang="ko-KR" dirty="0" smtClean="0">
+                <a:solidFill>
+                  <a:schemeClr val="tx1"/>
+                </a:solidFill>
+              </a:rPr>
+              <a:t>-</a:t>
+            </a:r>
+            <a:r>
+              <a:rPr kumimoji="1" lang="ko-KR" altLang="en-US" dirty="0" smtClean="0">
+                <a:solidFill>
+                  <a:schemeClr val="tx1"/>
+                </a:solidFill>
+              </a:rPr>
+              <a:t> 마법공격 </a:t>
+            </a:r>
+            <a:r>
+              <a:rPr kumimoji="1" lang="en-US" altLang="ko-KR" dirty="0" smtClean="0">
+                <a:solidFill>
+                  <a:schemeClr val="tx1"/>
+                </a:solidFill>
+              </a:rPr>
+              <a:t>:</a:t>
+            </a:r>
+            <a:r>
+              <a:rPr kumimoji="1" lang="ko-KR" altLang="en-US" dirty="0" smtClean="0">
+                <a:solidFill>
+                  <a:schemeClr val="tx1"/>
+                </a:solidFill>
+              </a:rPr>
+              <a:t> </a:t>
+            </a:r>
+            <a:r>
+              <a:rPr kumimoji="1" lang="en-US" altLang="ko-KR" dirty="0" err="1" smtClean="0">
+                <a:solidFill>
+                  <a:schemeClr val="tx1"/>
+                </a:solidFill>
+              </a:rPr>
+              <a:t>int</a:t>
+            </a:r>
+            <a:r>
+              <a:rPr kumimoji="1" lang="en-US" altLang="ko-KR" dirty="0" smtClean="0">
+                <a:solidFill>
+                  <a:schemeClr val="tx1"/>
+                </a:solidFill>
+              </a:rPr>
+              <a:t> * 1.5</a:t>
+            </a:r>
+            <a:endParaRPr kumimoji="1" lang="ko-KR" altLang="en-US" dirty="0">
+              <a:solidFill>
+                <a:schemeClr val="tx1"/>
+              </a:solidFill>
+            </a:endParaRPr>
+          </a:p>
+        </p:txBody>
+      </p:sp>
+      <p:sp>
+        <p:nvSpPr>
+          <p:cNvPr id="6" name="직사각형 5"/>
+          <p:cNvSpPr/>
+          <p:nvPr/>
+        </p:nvSpPr>
+        <p:spPr>
+          <a:xfrm>
+            <a:off x="1425844" y="1968284"/>
+            <a:ext cx="5532895" cy="1162373"/>
+          </a:xfrm>
+          <a:prstGeom prst="rect">
+            <a:avLst/>
+          </a:prstGeom>
+          <a:solidFill>
+            <a:srgbClr val="FBDDEF"/>
+          </a:solidFill>
+          <a:ln>
+            <a:noFill/>
+          </a:ln>
+        </p:spPr>
+        <p:style>
+          <a:lnRef idx="2">
+            <a:schemeClr val="accent1">
+              <a:shade val="50000"/>
+            </a:schemeClr>
+          </a:lnRef>
+          <a:fillRef idx="1">
+            <a:schemeClr val="accent1"/>
+          </a:fillRef>
+          <a:effectRef idx="0">
+            <a:schemeClr val="accent1"/>
+          </a:effectRef>
+          <a:fontRef idx="minor">
+            <a:schemeClr val="lt1"/>
+          </a:fontRef>
+        </p:style>
+        <p:txBody>
+          <a:bodyPr rtlCol="0" anchor="ctr"/>
+          <a:lstStyle/>
+          <a:p>
+            <a:r>
+              <a:rPr kumimoji="1" lang="en-US" altLang="ko-KR" dirty="0" smtClean="0">
+                <a:solidFill>
+                  <a:schemeClr val="tx1"/>
+                </a:solidFill>
+              </a:rPr>
+              <a:t>2</a:t>
+            </a:r>
+            <a:r>
+              <a:rPr kumimoji="1" lang="ko-KR" altLang="en-US" dirty="0" smtClean="0">
+                <a:solidFill>
+                  <a:schemeClr val="tx1"/>
+                </a:solidFill>
+              </a:rPr>
+              <a:t>단계 </a:t>
+            </a:r>
+            <a:r>
+              <a:rPr kumimoji="1" lang="en-US" altLang="ko-KR" dirty="0" smtClean="0">
+                <a:solidFill>
+                  <a:schemeClr val="tx1"/>
+                </a:solidFill>
+              </a:rPr>
+              <a:t>:</a:t>
+            </a:r>
+            <a:r>
+              <a:rPr kumimoji="1" lang="ko-KR" altLang="en-US" dirty="0" smtClean="0">
+                <a:solidFill>
+                  <a:schemeClr val="tx1"/>
+                </a:solidFill>
+              </a:rPr>
+              <a:t> 크리티컬 발생 확률 계산</a:t>
+            </a:r>
+            <a:endParaRPr kumimoji="1" lang="en-US" altLang="ko-KR" dirty="0" smtClean="0">
+              <a:solidFill>
+                <a:schemeClr val="tx1"/>
+              </a:solidFill>
+            </a:endParaRPr>
+          </a:p>
+          <a:p>
+            <a:r>
+              <a:rPr kumimoji="1" lang="en-US" altLang="ko-KR" dirty="0">
+                <a:solidFill>
+                  <a:schemeClr val="tx1"/>
+                </a:solidFill>
+              </a:rPr>
+              <a:t> </a:t>
+            </a:r>
+            <a:r>
+              <a:rPr kumimoji="1" lang="en-US" altLang="ko-KR" dirty="0" smtClean="0">
+                <a:solidFill>
+                  <a:schemeClr val="tx1"/>
+                </a:solidFill>
+              </a:rPr>
+              <a:t> - (</a:t>
+            </a:r>
+            <a:r>
+              <a:rPr kumimoji="1" lang="ko-KR" altLang="en-US" dirty="0" smtClean="0">
+                <a:solidFill>
+                  <a:schemeClr val="tx1"/>
+                </a:solidFill>
+              </a:rPr>
+              <a:t> 플레이어 발생 확률 </a:t>
+            </a:r>
+            <a:r>
+              <a:rPr kumimoji="1" lang="mr-IN" altLang="ko-KR" dirty="0" smtClean="0">
+                <a:solidFill>
+                  <a:schemeClr val="tx1"/>
+                </a:solidFill>
+              </a:rPr>
+              <a:t>–</a:t>
+            </a:r>
+            <a:r>
+              <a:rPr kumimoji="1" lang="ko-KR" altLang="en-US" dirty="0">
+                <a:solidFill>
+                  <a:schemeClr val="tx1"/>
+                </a:solidFill>
+              </a:rPr>
+              <a:t> </a:t>
+            </a:r>
+            <a:r>
+              <a:rPr kumimoji="1" lang="ko-KR" altLang="en-US" dirty="0" smtClean="0">
+                <a:solidFill>
+                  <a:schemeClr val="tx1"/>
+                </a:solidFill>
+              </a:rPr>
+              <a:t>대상 저항률 </a:t>
+            </a:r>
+            <a:r>
+              <a:rPr kumimoji="1" lang="en-US" altLang="ko-KR" dirty="0" smtClean="0">
+                <a:solidFill>
+                  <a:schemeClr val="tx1"/>
+                </a:solidFill>
+              </a:rPr>
+              <a:t>)</a:t>
+            </a:r>
+          </a:p>
+          <a:p>
+            <a:r>
+              <a:rPr kumimoji="1" lang="ko-KR" altLang="en-US" dirty="0">
+                <a:solidFill>
+                  <a:schemeClr val="tx1"/>
+                </a:solidFill>
+              </a:rPr>
+              <a:t> </a:t>
+            </a:r>
+            <a:r>
+              <a:rPr kumimoji="1" lang="ko-KR" altLang="en-US" dirty="0" smtClean="0">
+                <a:solidFill>
+                  <a:schemeClr val="tx1"/>
+                </a:solidFill>
+              </a:rPr>
+              <a:t> </a:t>
+            </a:r>
+            <a:r>
+              <a:rPr kumimoji="1" lang="en-US" altLang="ko-KR" dirty="0" smtClean="0">
+                <a:solidFill>
+                  <a:schemeClr val="tx1"/>
+                </a:solidFill>
+              </a:rPr>
+              <a:t>-</a:t>
+            </a:r>
+            <a:r>
+              <a:rPr kumimoji="1" lang="ko-KR" altLang="en-US" dirty="0" smtClean="0">
+                <a:solidFill>
+                  <a:schemeClr val="tx1"/>
+                </a:solidFill>
+              </a:rPr>
+              <a:t> 발생확률 </a:t>
+            </a:r>
+            <a:r>
+              <a:rPr kumimoji="1" lang="en-US" altLang="ko-KR" dirty="0" smtClean="0">
+                <a:solidFill>
+                  <a:schemeClr val="tx1"/>
+                </a:solidFill>
+              </a:rPr>
+              <a:t>:</a:t>
+            </a:r>
+            <a:r>
+              <a:rPr kumimoji="1" lang="ko-KR" altLang="en-US" dirty="0" smtClean="0">
+                <a:solidFill>
+                  <a:schemeClr val="tx1"/>
+                </a:solidFill>
+              </a:rPr>
+              <a:t> </a:t>
+            </a:r>
+            <a:r>
+              <a:rPr kumimoji="1" lang="en-US" altLang="ko-KR" dirty="0" smtClean="0">
+                <a:solidFill>
+                  <a:schemeClr val="tx1"/>
+                </a:solidFill>
+              </a:rPr>
+              <a:t>SQRT ( SQRT ( </a:t>
+            </a:r>
+            <a:r>
+              <a:rPr kumimoji="1" lang="ko-KR" altLang="en-US" dirty="0" smtClean="0">
+                <a:solidFill>
+                  <a:schemeClr val="tx1"/>
+                </a:solidFill>
+              </a:rPr>
+              <a:t>총 </a:t>
+            </a:r>
+            <a:r>
+              <a:rPr kumimoji="1" lang="en-US" altLang="ko-KR" dirty="0" smtClean="0">
+                <a:solidFill>
+                  <a:schemeClr val="tx1"/>
+                </a:solidFill>
+              </a:rPr>
+              <a:t> </a:t>
+            </a:r>
+            <a:r>
+              <a:rPr kumimoji="1" lang="en-US" altLang="ko-KR" dirty="0" err="1" smtClean="0">
+                <a:solidFill>
+                  <a:schemeClr val="tx1"/>
+                </a:solidFill>
+              </a:rPr>
+              <a:t>agi</a:t>
+            </a:r>
+            <a:r>
+              <a:rPr kumimoji="1" lang="en-US" altLang="ko-KR" dirty="0" smtClean="0">
+                <a:solidFill>
+                  <a:schemeClr val="tx1"/>
+                </a:solidFill>
+              </a:rPr>
+              <a:t> * 500 ) ) * 3</a:t>
+            </a:r>
+          </a:p>
+          <a:p>
+            <a:r>
+              <a:rPr kumimoji="1" lang="ko-KR" altLang="en-US" dirty="0">
+                <a:solidFill>
+                  <a:schemeClr val="tx1"/>
+                </a:solidFill>
+              </a:rPr>
+              <a:t> </a:t>
+            </a:r>
+            <a:r>
+              <a:rPr kumimoji="1" lang="ko-KR" altLang="en-US" dirty="0" smtClean="0">
+                <a:solidFill>
+                  <a:schemeClr val="tx1"/>
+                </a:solidFill>
+              </a:rPr>
+              <a:t> </a:t>
+            </a:r>
+            <a:r>
+              <a:rPr kumimoji="1" lang="en-US" altLang="ko-KR" dirty="0" smtClean="0">
+                <a:solidFill>
+                  <a:schemeClr val="tx1"/>
+                </a:solidFill>
+              </a:rPr>
+              <a:t>-</a:t>
+            </a:r>
+            <a:r>
+              <a:rPr kumimoji="1" lang="ko-KR" altLang="en-US" dirty="0" smtClean="0">
+                <a:solidFill>
+                  <a:schemeClr val="tx1"/>
+                </a:solidFill>
+              </a:rPr>
+              <a:t> 저항률 </a:t>
+            </a:r>
+            <a:r>
+              <a:rPr kumimoji="1" lang="en-US" altLang="ko-KR" dirty="0" smtClean="0">
+                <a:solidFill>
+                  <a:schemeClr val="tx1"/>
+                </a:solidFill>
+              </a:rPr>
+              <a:t>:</a:t>
+            </a:r>
+            <a:r>
+              <a:rPr kumimoji="1" lang="ko-KR" altLang="en-US" dirty="0" smtClean="0">
+                <a:solidFill>
+                  <a:schemeClr val="tx1"/>
+                </a:solidFill>
+              </a:rPr>
+              <a:t> </a:t>
+            </a:r>
+            <a:r>
+              <a:rPr kumimoji="1" lang="en-US" altLang="ko-KR" dirty="0" smtClean="0">
+                <a:solidFill>
+                  <a:schemeClr val="tx1"/>
+                </a:solidFill>
+              </a:rPr>
+              <a:t>SQRT ( SQRT ( </a:t>
+            </a:r>
+            <a:r>
+              <a:rPr kumimoji="1" lang="ko-KR" altLang="en-US" dirty="0" smtClean="0">
+                <a:solidFill>
+                  <a:schemeClr val="tx1"/>
+                </a:solidFill>
+              </a:rPr>
+              <a:t>총 </a:t>
+            </a:r>
+            <a:r>
+              <a:rPr kumimoji="1" lang="en-US" altLang="ko-KR" dirty="0" err="1" smtClean="0">
+                <a:solidFill>
+                  <a:schemeClr val="tx1"/>
+                </a:solidFill>
+              </a:rPr>
+              <a:t>def</a:t>
+            </a:r>
+            <a:r>
+              <a:rPr kumimoji="1" lang="en-US" altLang="ko-KR" dirty="0" smtClean="0">
+                <a:solidFill>
+                  <a:schemeClr val="tx1"/>
+                </a:solidFill>
+              </a:rPr>
+              <a:t> * 500 ) )</a:t>
+            </a:r>
+            <a:endParaRPr kumimoji="1" lang="ko-KR" altLang="en-US" dirty="0">
+              <a:solidFill>
+                <a:schemeClr val="tx1"/>
+              </a:solidFill>
+            </a:endParaRPr>
+          </a:p>
+        </p:txBody>
+      </p:sp>
+      <p:sp>
+        <p:nvSpPr>
+          <p:cNvPr id="7" name="직사각형 6"/>
+          <p:cNvSpPr/>
+          <p:nvPr/>
+        </p:nvSpPr>
+        <p:spPr>
+          <a:xfrm>
+            <a:off x="1425844" y="3285637"/>
+            <a:ext cx="5532895" cy="774917"/>
+          </a:xfrm>
+          <a:prstGeom prst="rect">
+            <a:avLst/>
+          </a:prstGeom>
+          <a:solidFill>
+            <a:srgbClr val="FBDDEF"/>
+          </a:solidFill>
+          <a:ln>
+            <a:noFill/>
+          </a:ln>
+        </p:spPr>
+        <p:style>
+          <a:lnRef idx="2">
+            <a:schemeClr val="accent1">
+              <a:shade val="50000"/>
+            </a:schemeClr>
+          </a:lnRef>
+          <a:fillRef idx="1">
+            <a:schemeClr val="accent1"/>
+          </a:fillRef>
+          <a:effectRef idx="0">
+            <a:schemeClr val="accent1"/>
+          </a:effectRef>
+          <a:fontRef idx="minor">
+            <a:schemeClr val="lt1"/>
+          </a:fontRef>
+        </p:style>
+        <p:txBody>
+          <a:bodyPr rtlCol="0" anchor="ctr"/>
+          <a:lstStyle/>
+          <a:p>
+            <a:r>
+              <a:rPr kumimoji="1" lang="en-US" altLang="ko-KR" dirty="0" smtClean="0">
+                <a:solidFill>
+                  <a:schemeClr val="tx1"/>
+                </a:solidFill>
+              </a:rPr>
+              <a:t>3</a:t>
+            </a:r>
+            <a:r>
+              <a:rPr kumimoji="1" lang="ko-KR" altLang="en-US" dirty="0" smtClean="0">
+                <a:solidFill>
+                  <a:schemeClr val="tx1"/>
+                </a:solidFill>
+              </a:rPr>
+              <a:t>단계 </a:t>
+            </a:r>
+            <a:r>
+              <a:rPr kumimoji="1" lang="en-US" altLang="ko-KR" dirty="0" smtClean="0">
+                <a:solidFill>
+                  <a:schemeClr val="tx1"/>
+                </a:solidFill>
+              </a:rPr>
+              <a:t>:</a:t>
+            </a:r>
+            <a:r>
+              <a:rPr kumimoji="1" lang="ko-KR" altLang="en-US" dirty="0" smtClean="0">
+                <a:solidFill>
+                  <a:schemeClr val="tx1"/>
+                </a:solidFill>
+              </a:rPr>
+              <a:t> 방어력에 따른 데미지 감소</a:t>
+            </a:r>
+            <a:endParaRPr kumimoji="1" lang="en-US" altLang="ko-KR" dirty="0" smtClean="0">
+              <a:solidFill>
+                <a:schemeClr val="tx1"/>
+              </a:solidFill>
+            </a:endParaRPr>
+          </a:p>
+          <a:p>
+            <a:r>
+              <a:rPr kumimoji="1" lang="ko-KR" altLang="en-US" dirty="0">
+                <a:solidFill>
+                  <a:schemeClr val="tx1"/>
+                </a:solidFill>
+              </a:rPr>
+              <a:t> </a:t>
+            </a:r>
+            <a:r>
+              <a:rPr kumimoji="1" lang="ko-KR" altLang="en-US" dirty="0" smtClean="0">
+                <a:solidFill>
+                  <a:schemeClr val="tx1"/>
+                </a:solidFill>
+              </a:rPr>
+              <a:t> </a:t>
+            </a:r>
+            <a:r>
+              <a:rPr kumimoji="1" lang="en-US" altLang="ko-KR" dirty="0" smtClean="0">
+                <a:solidFill>
+                  <a:schemeClr val="tx1"/>
+                </a:solidFill>
+              </a:rPr>
+              <a:t>-</a:t>
+            </a:r>
+            <a:r>
+              <a:rPr kumimoji="1" lang="ko-KR" altLang="en-US" dirty="0" smtClean="0">
+                <a:solidFill>
+                  <a:schemeClr val="tx1"/>
+                </a:solidFill>
+              </a:rPr>
+              <a:t> </a:t>
+            </a:r>
+            <a:r>
+              <a:rPr kumimoji="1" lang="en-US" altLang="ko-KR" dirty="0" smtClean="0">
+                <a:solidFill>
+                  <a:schemeClr val="tx1"/>
+                </a:solidFill>
+              </a:rPr>
+              <a:t>( 2</a:t>
+            </a:r>
+            <a:r>
+              <a:rPr kumimoji="1" lang="ko-KR" altLang="en-US" dirty="0" smtClean="0">
+                <a:solidFill>
+                  <a:schemeClr val="tx1"/>
+                </a:solidFill>
+              </a:rPr>
+              <a:t>단계까지의 데미지 </a:t>
+            </a:r>
+            <a:r>
+              <a:rPr kumimoji="1" lang="mr-IN" altLang="ko-KR" dirty="0" smtClean="0">
+                <a:solidFill>
+                  <a:schemeClr val="tx1"/>
+                </a:solidFill>
+              </a:rPr>
+              <a:t>–</a:t>
+            </a:r>
+            <a:r>
+              <a:rPr kumimoji="1" lang="ko-KR" altLang="en-US" dirty="0" smtClean="0">
+                <a:solidFill>
+                  <a:schemeClr val="tx1"/>
+                </a:solidFill>
+              </a:rPr>
+              <a:t> 대상 </a:t>
+            </a:r>
+            <a:r>
+              <a:rPr kumimoji="1" lang="en-US" altLang="ko-KR" dirty="0" err="1" smtClean="0">
+                <a:solidFill>
+                  <a:schemeClr val="tx1"/>
+                </a:solidFill>
+              </a:rPr>
+              <a:t>def</a:t>
+            </a:r>
+            <a:r>
+              <a:rPr kumimoji="1" lang="en-US" altLang="ko-KR" dirty="0" smtClean="0">
+                <a:solidFill>
+                  <a:schemeClr val="tx1"/>
+                </a:solidFill>
+              </a:rPr>
+              <a:t> )</a:t>
+            </a:r>
+            <a:endParaRPr kumimoji="1" lang="ko-KR" altLang="en-US" dirty="0">
+              <a:solidFill>
+                <a:schemeClr val="tx1"/>
+              </a:solidFill>
+            </a:endParaRPr>
+          </a:p>
+        </p:txBody>
+      </p:sp>
+      <p:sp>
+        <p:nvSpPr>
+          <p:cNvPr id="8" name="직사각형 7"/>
+          <p:cNvSpPr/>
+          <p:nvPr/>
+        </p:nvSpPr>
+        <p:spPr>
+          <a:xfrm>
+            <a:off x="1425844" y="4215534"/>
+            <a:ext cx="5532895" cy="1239869"/>
+          </a:xfrm>
+          <a:prstGeom prst="rect">
+            <a:avLst/>
+          </a:prstGeom>
+          <a:solidFill>
+            <a:srgbClr val="FBDDEF"/>
+          </a:solidFill>
+          <a:ln>
+            <a:noFill/>
+          </a:ln>
+        </p:spPr>
+        <p:style>
+          <a:lnRef idx="2">
+            <a:schemeClr val="accent1">
+              <a:shade val="50000"/>
+            </a:schemeClr>
+          </a:lnRef>
+          <a:fillRef idx="1">
+            <a:schemeClr val="accent1"/>
+          </a:fillRef>
+          <a:effectRef idx="0">
+            <a:schemeClr val="accent1"/>
+          </a:effectRef>
+          <a:fontRef idx="minor">
+            <a:schemeClr val="lt1"/>
+          </a:fontRef>
+        </p:style>
+        <p:txBody>
+          <a:bodyPr rtlCol="0" anchor="ctr"/>
+          <a:lstStyle/>
+          <a:p>
+            <a:r>
+              <a:rPr kumimoji="1" lang="en-US" altLang="ko-KR" dirty="0" smtClean="0">
+                <a:solidFill>
+                  <a:schemeClr val="tx1"/>
+                </a:solidFill>
+              </a:rPr>
+              <a:t>4</a:t>
+            </a:r>
+            <a:r>
+              <a:rPr kumimoji="1" lang="ko-KR" altLang="en-US" dirty="0" smtClean="0">
+                <a:solidFill>
+                  <a:schemeClr val="tx1"/>
+                </a:solidFill>
+              </a:rPr>
+              <a:t>단계 </a:t>
+            </a:r>
+            <a:r>
+              <a:rPr kumimoji="1" lang="en-US" altLang="ko-KR" dirty="0" smtClean="0">
+                <a:solidFill>
+                  <a:schemeClr val="tx1"/>
+                </a:solidFill>
+              </a:rPr>
+              <a:t>:</a:t>
+            </a:r>
+            <a:r>
+              <a:rPr kumimoji="1" lang="ko-KR" altLang="en-US" dirty="0" smtClean="0">
+                <a:solidFill>
+                  <a:schemeClr val="tx1"/>
+                </a:solidFill>
+              </a:rPr>
+              <a:t> 레벨 차에 따른 데미지량 보정</a:t>
+            </a:r>
+            <a:endParaRPr kumimoji="1" lang="en-US" altLang="ko-KR" dirty="0" smtClean="0">
+              <a:solidFill>
+                <a:schemeClr val="tx1"/>
+              </a:solidFill>
+            </a:endParaRPr>
+          </a:p>
+          <a:p>
+            <a:r>
+              <a:rPr kumimoji="1" lang="ko-KR" altLang="en-US" dirty="0">
+                <a:solidFill>
+                  <a:schemeClr val="tx1"/>
+                </a:solidFill>
+              </a:rPr>
+              <a:t> </a:t>
+            </a:r>
+            <a:r>
+              <a:rPr kumimoji="1" lang="ko-KR" altLang="en-US" dirty="0" smtClean="0">
+                <a:solidFill>
+                  <a:schemeClr val="tx1"/>
+                </a:solidFill>
+              </a:rPr>
+              <a:t> </a:t>
+            </a:r>
+            <a:r>
+              <a:rPr kumimoji="1" lang="en-US" altLang="ko-KR" dirty="0" smtClean="0">
+                <a:solidFill>
+                  <a:schemeClr val="tx1"/>
+                </a:solidFill>
+              </a:rPr>
+              <a:t>-</a:t>
+            </a:r>
+            <a:r>
+              <a:rPr kumimoji="1" lang="ko-KR" altLang="en-US" dirty="0" smtClean="0">
+                <a:solidFill>
+                  <a:schemeClr val="tx1"/>
+                </a:solidFill>
+              </a:rPr>
+              <a:t> 대상과 레벨 동등 시 </a:t>
+            </a:r>
+            <a:r>
+              <a:rPr kumimoji="1" lang="en-US" altLang="ko-KR" dirty="0" smtClean="0">
+                <a:solidFill>
+                  <a:schemeClr val="tx1"/>
+                </a:solidFill>
+              </a:rPr>
+              <a:t>100%</a:t>
+            </a:r>
+            <a:r>
+              <a:rPr kumimoji="1" lang="ko-KR" altLang="en-US" dirty="0" smtClean="0">
+                <a:solidFill>
+                  <a:schemeClr val="tx1"/>
+                </a:solidFill>
+              </a:rPr>
+              <a:t>로 적용</a:t>
+            </a:r>
+            <a:endParaRPr kumimoji="1" lang="en-US" altLang="ko-KR" dirty="0" smtClean="0">
+              <a:solidFill>
+                <a:schemeClr val="tx1"/>
+              </a:solidFill>
+            </a:endParaRPr>
+          </a:p>
+          <a:p>
+            <a:r>
+              <a:rPr kumimoji="1" lang="ko-KR" altLang="en-US" dirty="0">
+                <a:solidFill>
+                  <a:schemeClr val="tx1"/>
+                </a:solidFill>
+              </a:rPr>
+              <a:t> </a:t>
+            </a:r>
+            <a:r>
+              <a:rPr kumimoji="1" lang="ko-KR" altLang="en-US" dirty="0" smtClean="0">
+                <a:solidFill>
+                  <a:schemeClr val="tx1"/>
+                </a:solidFill>
+              </a:rPr>
+              <a:t> </a:t>
+            </a:r>
+            <a:r>
+              <a:rPr kumimoji="1" lang="en-US" altLang="ko-KR" dirty="0" smtClean="0">
+                <a:solidFill>
+                  <a:schemeClr val="tx1"/>
+                </a:solidFill>
+              </a:rPr>
+              <a:t>-</a:t>
+            </a:r>
+            <a:r>
+              <a:rPr kumimoji="1" lang="ko-KR" altLang="en-US" dirty="0" smtClean="0">
+                <a:solidFill>
+                  <a:schemeClr val="tx1"/>
+                </a:solidFill>
+              </a:rPr>
+              <a:t> 상대방이 </a:t>
+            </a:r>
+            <a:r>
+              <a:rPr kumimoji="1" lang="en-US" altLang="ko-KR" dirty="0" smtClean="0">
+                <a:solidFill>
+                  <a:schemeClr val="tx1"/>
+                </a:solidFill>
+              </a:rPr>
+              <a:t>2</a:t>
+            </a:r>
+            <a:r>
+              <a:rPr kumimoji="1" lang="ko-KR" altLang="en-US" dirty="0" smtClean="0">
+                <a:solidFill>
+                  <a:schemeClr val="tx1"/>
+                </a:solidFill>
+              </a:rPr>
+              <a:t>레벨 단위로 높을 경우 </a:t>
+            </a:r>
+            <a:r>
+              <a:rPr kumimoji="1" lang="en-US" altLang="ko-KR" dirty="0" smtClean="0">
+                <a:solidFill>
+                  <a:schemeClr val="tx1"/>
+                </a:solidFill>
+              </a:rPr>
+              <a:t>10%</a:t>
+            </a:r>
+            <a:r>
+              <a:rPr kumimoji="1" lang="ko-KR" altLang="en-US" dirty="0" smtClean="0">
+                <a:solidFill>
+                  <a:schemeClr val="tx1"/>
+                </a:solidFill>
+              </a:rPr>
+              <a:t>식 차감</a:t>
+            </a:r>
+            <a:endParaRPr kumimoji="1" lang="en-US" altLang="ko-KR" dirty="0" smtClean="0">
+              <a:solidFill>
+                <a:schemeClr val="tx1"/>
+              </a:solidFill>
+            </a:endParaRPr>
+          </a:p>
+          <a:p>
+            <a:r>
+              <a:rPr kumimoji="1" lang="ko-KR" altLang="en-US" dirty="0">
+                <a:solidFill>
+                  <a:schemeClr val="tx1"/>
+                </a:solidFill>
+              </a:rPr>
+              <a:t> </a:t>
+            </a:r>
+            <a:r>
+              <a:rPr kumimoji="1" lang="ko-KR" altLang="en-US" dirty="0" smtClean="0">
+                <a:solidFill>
+                  <a:schemeClr val="tx1"/>
+                </a:solidFill>
+              </a:rPr>
+              <a:t> </a:t>
+            </a:r>
+            <a:r>
+              <a:rPr kumimoji="1" lang="en-US" altLang="ko-KR" dirty="0" smtClean="0">
+                <a:solidFill>
+                  <a:schemeClr val="tx1"/>
+                </a:solidFill>
+              </a:rPr>
+              <a:t>-</a:t>
+            </a:r>
+            <a:r>
+              <a:rPr kumimoji="1" lang="ko-KR" altLang="en-US" dirty="0" smtClean="0">
+                <a:solidFill>
+                  <a:schemeClr val="tx1"/>
+                </a:solidFill>
+              </a:rPr>
+              <a:t> 최대 </a:t>
+            </a:r>
+            <a:r>
+              <a:rPr kumimoji="1" lang="en-US" altLang="ko-KR" dirty="0" smtClean="0">
+                <a:solidFill>
+                  <a:schemeClr val="tx1"/>
+                </a:solidFill>
+              </a:rPr>
+              <a:t>50%</a:t>
+            </a:r>
+            <a:r>
+              <a:rPr kumimoji="1" lang="ko-KR" altLang="en-US" dirty="0">
+                <a:solidFill>
+                  <a:schemeClr val="tx1"/>
+                </a:solidFill>
+              </a:rPr>
+              <a:t> </a:t>
+            </a:r>
+            <a:r>
+              <a:rPr kumimoji="1" lang="ko-KR" altLang="en-US" dirty="0" smtClean="0">
+                <a:solidFill>
+                  <a:schemeClr val="tx1"/>
+                </a:solidFill>
+              </a:rPr>
+              <a:t>차감</a:t>
+            </a:r>
+            <a:endParaRPr kumimoji="1" lang="ko-KR" altLang="en-US" dirty="0">
+              <a:solidFill>
+                <a:schemeClr val="tx1"/>
+              </a:solidFill>
+            </a:endParaRPr>
+          </a:p>
+        </p:txBody>
+      </p:sp>
+      <p:sp>
+        <p:nvSpPr>
+          <p:cNvPr id="9" name="직사각형 8"/>
+          <p:cNvSpPr/>
+          <p:nvPr/>
+        </p:nvSpPr>
+        <p:spPr>
+          <a:xfrm>
+            <a:off x="1425844" y="5610383"/>
+            <a:ext cx="5532895" cy="526948"/>
+          </a:xfrm>
+          <a:prstGeom prst="rect">
+            <a:avLst/>
+          </a:prstGeom>
+          <a:solidFill>
+            <a:srgbClr val="FBDDEF"/>
+          </a:solidFill>
+          <a:ln>
+            <a:noFill/>
+          </a:ln>
+        </p:spPr>
+        <p:style>
+          <a:lnRef idx="2">
+            <a:schemeClr val="accent1">
+              <a:shade val="50000"/>
+            </a:schemeClr>
+          </a:lnRef>
+          <a:fillRef idx="1">
+            <a:schemeClr val="accent1"/>
+          </a:fillRef>
+          <a:effectRef idx="0">
+            <a:schemeClr val="accent1"/>
+          </a:effectRef>
+          <a:fontRef idx="minor">
+            <a:schemeClr val="lt1"/>
+          </a:fontRef>
+        </p:style>
+        <p:txBody>
+          <a:bodyPr rtlCol="0" anchor="ctr"/>
+          <a:lstStyle/>
+          <a:p>
+            <a:r>
+              <a:rPr kumimoji="1" lang="ko-KR" altLang="en-US" smtClean="0">
+                <a:solidFill>
+                  <a:schemeClr val="tx1"/>
+                </a:solidFill>
+              </a:rPr>
+              <a:t>최종 데미지</a:t>
+            </a:r>
+            <a:endParaRPr kumimoji="1" lang="ko-KR" altLang="en-US" dirty="0">
+              <a:solidFill>
+                <a:schemeClr val="tx1"/>
+              </a:solidFill>
+            </a:endParaRPr>
+          </a:p>
+        </p:txBody>
+      </p:sp>
+    </p:spTree>
+    <p:extLst>
+      <p:ext uri="{BB962C8B-B14F-4D97-AF65-F5344CB8AC3E}">
+        <p14:creationId xmlns:p14="http://schemas.microsoft.com/office/powerpoint/2010/main" val="1420809220"/>
+      </p:ext>
+    </p:extLst>
+  </p:cSld>
+  <p:clrMapOvr>
+    <a:masterClrMapping/>
+  </p:clrMapOvr>
+</p:sld>
+</file>
+
+<file path=ppt/slides/slide8.xml><?xml version="1.0" encoding="utf-8"?>
+<p:sld xmlns:a="http://schemas.openxmlformats.org/drawingml/2006/main" xmlns:r="http://schemas.openxmlformats.org/officeDocument/2006/relationships" xmlns:p="http://schemas.openxmlformats.org/presentationml/2006/main">
+  <p:cSld>
+    <p:spTree>
+      <p:nvGrpSpPr>
+        <p:cNvPr id="1" name=""/>
+        <p:cNvGrpSpPr/>
+        <p:nvPr/>
+      </p:nvGrpSpPr>
+      <p:grpSpPr>
+        <a:xfrm>
+          <a:off x="0" y="0"/>
+          <a:ext cx="0" cy="0"/>
+          <a:chOff x="0" y="0"/>
+          <a:chExt cx="0" cy="0"/>
+        </a:xfrm>
+      </p:grpSpPr>
+    </p:spTree>
+    <p:extLst>
+      <p:ext uri="{BB962C8B-B14F-4D97-AF65-F5344CB8AC3E}">
+        <p14:creationId xmlns:p14="http://schemas.microsoft.com/office/powerpoint/2010/main" val="1260029111"/>
+      </p:ext>
+    </p:extLst>
+  </p:cSld>
+  <p:clrMapOvr>
+    <a:masterClrMapping/>
+  </p:clrMapOvr>
+</p:sld>
+</file>
+
 <file path=ppt/theme/theme1.xml><?xml version="1.0" encoding="utf-8"?>
 <a:theme xmlns:a="http://schemas.openxmlformats.org/drawingml/2006/main" name="Office 테마">
   <a:themeElements>
